--- a/Workshop/MetagenomicsWorkshop/Day3_MetagenomicsWorkshop.pptx
+++ b/Workshop/MetagenomicsWorkshop/Day3_MetagenomicsWorkshop.pptx
@@ -5,7 +5,7 @@
     <p:sldMasterId id="2147483648" r:id="rId1"/>
   </p:sldMasterIdLst>
   <p:notesMasterIdLst>
-    <p:notesMasterId r:id="rId13"/>
+    <p:notesMasterId r:id="rId14"/>
   </p:notesMasterIdLst>
   <p:sldIdLst>
     <p:sldId id="258" r:id="rId2"/>
@@ -19,6 +19,7 @@
     <p:sldId id="265" r:id="rId10"/>
     <p:sldId id="267" r:id="rId11"/>
     <p:sldId id="266" r:id="rId12"/>
+    <p:sldId id="269" r:id="rId13"/>
   </p:sldIdLst>
   <p:sldSz cx="9144000" cy="6858000" type="screen4x3"/>
   <p:notesSz cx="6858000" cy="9144000"/>
@@ -4095,6 +4096,201 @@
 </p:sld>
 </file>
 
+<file path=ppt/slides/slide12.xml><?xml version="1.0" encoding="utf-8"?>
+<p:sld xmlns:a="http://schemas.openxmlformats.org/drawingml/2006/main" xmlns:r="http://schemas.openxmlformats.org/officeDocument/2006/relationships" xmlns:p="http://schemas.openxmlformats.org/presentationml/2006/main">
+  <p:cSld>
+    <p:spTree>
+      <p:nvGrpSpPr>
+        <p:cNvPr id="1" name=""/>
+        <p:cNvGrpSpPr/>
+        <p:nvPr/>
+      </p:nvGrpSpPr>
+      <p:grpSpPr>
+        <a:xfrm>
+          <a:off x="0" y="0"/>
+          <a:ext cx="0" cy="0"/>
+          <a:chOff x="0" y="0"/>
+          <a:chExt cx="0" cy="0"/>
+        </a:xfrm>
+      </p:grpSpPr>
+      <p:sp>
+        <p:nvSpPr>
+          <p:cNvPr id="2" name="Title 1">
+            <a:extLst>
+              <a:ext uri="{FF2B5EF4-FFF2-40B4-BE49-F238E27FC236}">
+                <a16:creationId xmlns:a16="http://schemas.microsoft.com/office/drawing/2014/main" id="{9D1EBE44-3ADF-4C48-AEBC-2728A064DA83}"/>
+              </a:ext>
+            </a:extLst>
+          </p:cNvPr>
+          <p:cNvSpPr>
+            <a:spLocks noGrp="1"/>
+          </p:cNvSpPr>
+          <p:nvPr>
+            <p:ph type="title"/>
+          </p:nvPr>
+        </p:nvSpPr>
+        <p:spPr/>
+        <p:txBody>
+          <a:bodyPr/>
+          <a:lstStyle/>
+          <a:p>
+            <a:r>
+              <a:rPr lang="en-US" dirty="0"/>
+              <a:t>Step 5: Visualization</a:t>
+            </a:r>
+          </a:p>
+        </p:txBody>
+      </p:sp>
+      <p:sp>
+        <p:nvSpPr>
+          <p:cNvPr id="3" name="Content Placeholder 2">
+            <a:extLst>
+              <a:ext uri="{FF2B5EF4-FFF2-40B4-BE49-F238E27FC236}">
+                <a16:creationId xmlns:a16="http://schemas.microsoft.com/office/drawing/2014/main" id="{E83C401B-3C77-8345-BCBA-FBE8587C4A9A}"/>
+              </a:ext>
+            </a:extLst>
+          </p:cNvPr>
+          <p:cNvSpPr>
+            <a:spLocks noGrp="1"/>
+          </p:cNvSpPr>
+          <p:nvPr>
+            <p:ph idx="1"/>
+          </p:nvPr>
+        </p:nvSpPr>
+        <p:spPr/>
+        <p:txBody>
+          <a:bodyPr/>
+          <a:lstStyle/>
+          <a:p>
+            <a:r>
+              <a:rPr lang="en-US" dirty="0"/>
+              <a:t>Step 5.1: Merge all results</a:t>
+            </a:r>
+          </a:p>
+          <a:p>
+            <a:pPr marL="457200" lvl="1" indent="0">
+              <a:buNone/>
+            </a:pPr>
+            <a:r>
+              <a:rPr lang="en-US" dirty="0"/>
+              <a:t>metaphlan2/</a:t>
+            </a:r>
+            <a:r>
+              <a:rPr lang="en-US" dirty="0" err="1"/>
+              <a:t>utils</a:t>
+            </a:r>
+            <a:r>
+              <a:rPr lang="en-US" dirty="0"/>
+              <a:t>/</a:t>
+            </a:r>
+            <a:r>
+              <a:rPr lang="en-US" dirty="0" err="1"/>
+              <a:t>merge_metaphlan_tables.py</a:t>
+            </a:r>
+            <a:r>
+              <a:rPr lang="en-US" dirty="0"/>
+              <a:t> {</a:t>
+            </a:r>
+            <a:r>
+              <a:rPr lang="en-US" dirty="0" err="1"/>
+              <a:t>all_abundance</a:t>
+            </a:r>
+            <a:r>
+              <a:rPr lang="en-US" dirty="0"/>
+              <a:t>} &gt; </a:t>
+            </a:r>
+            <a:r>
+              <a:rPr lang="en-US" dirty="0" err="1"/>
+              <a:t>merged.txt</a:t>
+            </a:r>
+            <a:endParaRPr lang="en-US" dirty="0"/>
+          </a:p>
+          <a:p>
+            <a:pPr marL="400050"/>
+            <a:r>
+              <a:rPr lang="en-US" dirty="0"/>
+              <a:t>Step 5.2: get species only</a:t>
+            </a:r>
+          </a:p>
+          <a:p>
+            <a:pPr marL="514350" lvl="1" indent="0">
+              <a:buNone/>
+            </a:pPr>
+            <a:r>
+              <a:rPr lang="en-US" dirty="0"/>
+              <a:t>grep -E "(s__)|(^ID)" </a:t>
+            </a:r>
+            <a:r>
+              <a:rPr lang="en-US" dirty="0" err="1"/>
+              <a:t>merged.txt</a:t>
+            </a:r>
+            <a:r>
+              <a:rPr lang="en-US" dirty="0"/>
+              <a:t> | grep -v "t__" | </a:t>
+            </a:r>
+            <a:r>
+              <a:rPr lang="en-US" dirty="0" err="1"/>
+              <a:t>sed</a:t>
+            </a:r>
+            <a:r>
+              <a:rPr lang="en-US" dirty="0"/>
+              <a:t> 's/^.*s__//g' &gt; </a:t>
+            </a:r>
+            <a:r>
+              <a:rPr lang="en-US" dirty="0" err="1"/>
+              <a:t>merged_species.txt</a:t>
+            </a:r>
+            <a:endParaRPr lang="en-US" dirty="0"/>
+          </a:p>
+          <a:p>
+            <a:pPr marL="457200"/>
+            <a:endParaRPr lang="en-US" dirty="0"/>
+          </a:p>
+        </p:txBody>
+      </p:sp>
+      <p:sp>
+        <p:nvSpPr>
+          <p:cNvPr id="4" name="Slide Number Placeholder 3">
+            <a:extLst>
+              <a:ext uri="{FF2B5EF4-FFF2-40B4-BE49-F238E27FC236}">
+                <a16:creationId xmlns:a16="http://schemas.microsoft.com/office/drawing/2014/main" id="{F9598F20-921C-9F43-BE6D-89030C1B915F}"/>
+              </a:ext>
+            </a:extLst>
+          </p:cNvPr>
+          <p:cNvSpPr>
+            <a:spLocks noGrp="1"/>
+          </p:cNvSpPr>
+          <p:nvPr>
+            <p:ph type="sldNum" sz="quarter" idx="12"/>
+          </p:nvPr>
+        </p:nvSpPr>
+        <p:spPr/>
+        <p:txBody>
+          <a:bodyPr/>
+          <a:lstStyle/>
+          <a:p>
+            <a:fld id="{16E92535-E9D8-4DDA-83D0-380D5F2D29E9}" type="slidenum">
+              <a:rPr lang="en-US" smtClean="0"/>
+              <a:pPr/>
+              <a:t>12</a:t>
+            </a:fld>
+            <a:endParaRPr lang="en-US"/>
+          </a:p>
+        </p:txBody>
+      </p:sp>
+    </p:spTree>
+    <p:extLst>
+      <p:ext uri="{BB962C8B-B14F-4D97-AF65-F5344CB8AC3E}">
+        <p14:creationId xmlns:p14="http://schemas.microsoft.com/office/powerpoint/2010/main" val="2817496177"/>
+      </p:ext>
+    </p:extLst>
+  </p:cSld>
+  <p:clrMapOvr>
+    <a:masterClrMapping/>
+  </p:clrMapOvr>
+</p:sld>
+</file>
+
 <file path=ppt/slides/slide2.xml><?xml version="1.0" encoding="utf-8"?>
 <p:sld xmlns:a="http://schemas.openxmlformats.org/drawingml/2006/main" xmlns:r="http://schemas.openxmlformats.org/officeDocument/2006/relationships" xmlns:p="http://schemas.openxmlformats.org/presentationml/2006/main">
   <p:cSld>
@@ -4349,7 +4545,7 @@
           <a:p>
             <a:r>
               <a:rPr lang="en-US" dirty="0"/>
-              <a:t>UPPMAX Modules</a:t>
+              <a:t>UPPMAX</a:t>
             </a:r>
           </a:p>
         </p:txBody>
@@ -4386,7 +4582,7 @@
               <a:buNone/>
             </a:pPr>
             <a:r>
-              <a:rPr lang="en-US" sz="1200" b="1" dirty="0"/>
+              <a:rPr lang="en-US" sz="1800" b="1" dirty="0"/>
               <a:t>Connect to interactive mode</a:t>
             </a:r>
           </a:p>
@@ -4395,23 +4591,23 @@
               <a:buNone/>
             </a:pPr>
             <a:r>
-              <a:rPr lang="en-US" sz="1200" dirty="0"/>
+              <a:rPr lang="en-US" sz="1800" dirty="0"/>
               <a:t>interactive -A g2018024 -p core -n 2 -t 03:00:00 -J </a:t>
             </a:r>
             <a:r>
-              <a:rPr lang="en-US" sz="1200" dirty="0" err="1"/>
+              <a:rPr lang="en-US" sz="1800" dirty="0" err="1"/>
               <a:t>any.name</a:t>
             </a:r>
             <a:r>
-              <a:rPr lang="en-US" sz="1200" dirty="0"/>
+              <a:rPr lang="en-US" sz="1800" dirty="0"/>
               <a:t> --mail-user </a:t>
             </a:r>
             <a:r>
-              <a:rPr lang="en-US" sz="1200" dirty="0" err="1"/>
+              <a:rPr lang="en-US" sz="1800" dirty="0" err="1"/>
               <a:t>your_email</a:t>
             </a:r>
             <a:r>
-              <a:rPr lang="en-US" sz="1200" dirty="0"/>
+              <a:rPr lang="en-US" sz="1800" dirty="0"/>
               <a:t> --mail-type=ALL</a:t>
             </a:r>
           </a:p>
@@ -4419,14 +4615,14 @@
             <a:pPr marL="0" indent="0">
               <a:buNone/>
             </a:pPr>
-            <a:endParaRPr lang="en-US" sz="1200" dirty="0"/>
+            <a:endParaRPr lang="en-US" sz="1800" dirty="0"/>
           </a:p>
           <a:p>
             <a:pPr marL="0" indent="0">
               <a:buNone/>
             </a:pPr>
             <a:r>
-              <a:rPr lang="en-US" sz="1200" b="1" dirty="0"/>
+              <a:rPr lang="en-US" sz="1800" b="1" dirty="0"/>
               <a:t>Load these modules:</a:t>
             </a:r>
           </a:p>
@@ -4435,15 +4631,15 @@
               <a:buNone/>
             </a:pPr>
             <a:r>
-              <a:rPr lang="en-US" sz="1200" dirty="0"/>
+              <a:rPr lang="en-US" sz="1800" dirty="0"/>
               <a:t>module load </a:t>
             </a:r>
             <a:r>
-              <a:rPr lang="en-US" sz="1200" dirty="0" err="1"/>
+              <a:rPr lang="en-US" sz="1800" dirty="0" err="1"/>
               <a:t>bioinfo</a:t>
             </a:r>
             <a:r>
-              <a:rPr lang="en-US" sz="1200" dirty="0"/>
+              <a:rPr lang="en-US" sz="1800" dirty="0"/>
               <a:t>-tools</a:t>
             </a:r>
           </a:p>
@@ -4452,7 +4648,7 @@
               <a:buNone/>
             </a:pPr>
             <a:r>
-              <a:rPr lang="en-US" sz="1200" dirty="0"/>
+              <a:rPr lang="en-US" sz="1800" dirty="0"/>
               <a:t>module load bowtie2</a:t>
             </a:r>
           </a:p>
@@ -4461,40 +4657,76 @@
               <a:buNone/>
             </a:pPr>
             <a:r>
-              <a:rPr lang="en-US" sz="1200" dirty="0"/>
+              <a:rPr lang="en-US" sz="1800" dirty="0"/>
               <a:t>module load </a:t>
             </a:r>
             <a:r>
-              <a:rPr lang="en-US" sz="1200" dirty="0" err="1"/>
+              <a:rPr lang="en-US" sz="1800" dirty="0" err="1"/>
               <a:t>BEDTools</a:t>
             </a:r>
-            <a:endParaRPr lang="en-US" sz="1200" dirty="0"/>
+            <a:endParaRPr lang="en-US" sz="1800" dirty="0"/>
           </a:p>
           <a:p>
             <a:pPr marL="0" indent="0">
               <a:buNone/>
             </a:pPr>
             <a:r>
-              <a:rPr lang="en-US" sz="1200" dirty="0"/>
+              <a:rPr lang="en-US" sz="1800" dirty="0"/>
               <a:t>module load </a:t>
             </a:r>
             <a:r>
-              <a:rPr lang="en-US" sz="1200" dirty="0" err="1"/>
+              <a:rPr lang="en-US" sz="1800" dirty="0" err="1"/>
               <a:t>samtools</a:t>
             </a:r>
-            <a:endParaRPr lang="en-US" sz="1200" dirty="0"/>
+            <a:endParaRPr lang="en-US" sz="1800" dirty="0"/>
           </a:p>
           <a:p>
             <a:pPr marL="0" indent="0">
               <a:buNone/>
             </a:pPr>
-            <a:endParaRPr lang="en-US" sz="1200" dirty="0"/>
+            <a:endParaRPr lang="en-US" sz="1800" dirty="0"/>
           </a:p>
           <a:p>
             <a:pPr marL="0" indent="0">
               <a:buNone/>
             </a:pPr>
-            <a:endParaRPr lang="en-US" sz="1200" dirty="0"/>
+            <a:r>
+              <a:rPr lang="en-US" sz="1800" b="1" dirty="0"/>
+              <a:t>Folder of Data:</a:t>
+            </a:r>
+          </a:p>
+          <a:p>
+            <a:pPr marL="0" indent="0">
+              <a:buNone/>
+            </a:pPr>
+            <a:r>
+              <a:rPr lang="en-US" sz="1800" dirty="0"/>
+              <a:t>/</a:t>
+            </a:r>
+            <a:r>
+              <a:rPr lang="en-US" sz="1800" dirty="0" err="1"/>
+              <a:t>proj</a:t>
+            </a:r>
+            <a:r>
+              <a:rPr lang="en-US" sz="1800" dirty="0"/>
+              <a:t>/g2018024/</a:t>
+            </a:r>
+            <a:r>
+              <a:rPr lang="en-US" sz="1800" dirty="0" err="1"/>
+              <a:t>nobackup</a:t>
+            </a:r>
+            <a:r>
+              <a:rPr lang="en-US" sz="1800" dirty="0"/>
+              <a:t>/</a:t>
+            </a:r>
+            <a:r>
+              <a:rPr lang="en-US" sz="1800" dirty="0" err="1"/>
+              <a:t>MetagenomicWorkshop</a:t>
+            </a:r>
+            <a:r>
+              <a:rPr lang="en-US" sz="1800" dirty="0"/>
+              <a:t>/</a:t>
+            </a:r>
           </a:p>
         </p:txBody>
       </p:sp>

--- a/Workshop/MetagenomicsWorkshop/Day3_MetagenomicsWorkshop.pptx
+++ b/Workshop/MetagenomicsWorkshop/Day3_MetagenomicsWorkshop.pptx
@@ -5,21 +5,22 @@
     <p:sldMasterId id="2147483648" r:id="rId1"/>
   </p:sldMasterIdLst>
   <p:notesMasterIdLst>
-    <p:notesMasterId r:id="rId14"/>
+    <p:notesMasterId r:id="rId15"/>
   </p:notesMasterIdLst>
   <p:sldIdLst>
     <p:sldId id="258" r:id="rId2"/>
     <p:sldId id="259" r:id="rId3"/>
-    <p:sldId id="268" r:id="rId4"/>
-    <p:sldId id="260" r:id="rId5"/>
-    <p:sldId id="261" r:id="rId6"/>
-    <p:sldId id="262" r:id="rId7"/>
-    <p:sldId id="263" r:id="rId8"/>
-    <p:sldId id="264" r:id="rId9"/>
-    <p:sldId id="265" r:id="rId10"/>
-    <p:sldId id="267" r:id="rId11"/>
-    <p:sldId id="266" r:id="rId12"/>
-    <p:sldId id="269" r:id="rId13"/>
+    <p:sldId id="260" r:id="rId4"/>
+    <p:sldId id="270" r:id="rId5"/>
+    <p:sldId id="268" r:id="rId6"/>
+    <p:sldId id="261" r:id="rId7"/>
+    <p:sldId id="262" r:id="rId8"/>
+    <p:sldId id="263" r:id="rId9"/>
+    <p:sldId id="264" r:id="rId10"/>
+    <p:sldId id="265" r:id="rId11"/>
+    <p:sldId id="267" r:id="rId12"/>
+    <p:sldId id="266" r:id="rId13"/>
+    <p:sldId id="269" r:id="rId14"/>
   </p:sldIdLst>
   <p:sldSz cx="9144000" cy="6858000" type="screen4x3"/>
   <p:notesSz cx="6858000" cy="9144000"/>
@@ -3663,7 +3664,7 @@
           <p:cNvPr id="2" name="Title 1">
             <a:extLst>
               <a:ext uri="{FF2B5EF4-FFF2-40B4-BE49-F238E27FC236}">
-                <a16:creationId xmlns:a16="http://schemas.microsoft.com/office/drawing/2014/main" id="{62F9A944-3B7C-FD4B-8DC2-C9B6CE470B6A}"/>
+                <a16:creationId xmlns:a16="http://schemas.microsoft.com/office/drawing/2014/main" id="{D68F7381-EA5E-A448-BD9E-1F600EB5F34D}"/>
               </a:ext>
             </a:extLst>
           </p:cNvPr>
@@ -3681,15 +3682,7 @@
           <a:p>
             <a:r>
               <a:rPr lang="en-US" dirty="0"/>
-              <a:t>Step 3 (Cont.): </a:t>
-            </a:r>
-            <a:r>
-              <a:rPr lang="en-US" dirty="0" err="1"/>
-              <a:t>Trimmomatic</a:t>
-            </a:r>
-            <a:r>
-              <a:rPr lang="en-US" dirty="0"/>
-              <a:t> Output</a:t>
+              <a:t>Step 3: Quality Control and Trimming Sequence</a:t>
             </a:r>
           </a:p>
         </p:txBody>
@@ -3699,7 +3692,7 @@
           <p:cNvPr id="3" name="Content Placeholder 2">
             <a:extLst>
               <a:ext uri="{FF2B5EF4-FFF2-40B4-BE49-F238E27FC236}">
-                <a16:creationId xmlns:a16="http://schemas.microsoft.com/office/drawing/2014/main" id="{2E7D22B9-DB27-CF43-987B-712FD1F988A3}"/>
+                <a16:creationId xmlns:a16="http://schemas.microsoft.com/office/drawing/2014/main" id="{AA39CD66-A1D4-BB49-AC89-7E154EAD8233}"/>
               </a:ext>
             </a:extLst>
           </p:cNvPr>
@@ -3712,16 +3705,138 @@
         </p:nvSpPr>
         <p:spPr/>
         <p:txBody>
-          <a:bodyPr/>
-          <a:lstStyle/>
-          <a:p>
+          <a:bodyPr>
+            <a:normAutofit fontScale="92500"/>
+          </a:bodyPr>
+          <a:lstStyle/>
+          <a:p>
+            <a:r>
+              <a:rPr lang="en-US" dirty="0"/>
+              <a:t>Software: </a:t>
+            </a:r>
             <a:r>
               <a:rPr lang="en-US" dirty="0" err="1"/>
               <a:t>Trimmomatic</a:t>
             </a:r>
-            <a:r>
-              <a:rPr lang="en-US" dirty="0"/>
-              <a:t> will spit 4 files:</a:t>
+            <a:endParaRPr lang="en-US" dirty="0"/>
+          </a:p>
+          <a:p>
+            <a:r>
+              <a:rPr lang="en-US" dirty="0"/>
+              <a:t>In </a:t>
+            </a:r>
+            <a:r>
+              <a:rPr lang="en-US" dirty="0" err="1"/>
+              <a:t>Trimmomatic</a:t>
+            </a:r>
+            <a:r>
+              <a:rPr lang="en-US" dirty="0"/>
+              <a:t>, we can control the sequence by putting several criteria. Review the </a:t>
+            </a:r>
+            <a:r>
+              <a:rPr lang="en-US" b="1" dirty="0"/>
+              <a:t>Step Options </a:t>
+            </a:r>
+            <a:r>
+              <a:rPr lang="en-US" dirty="0"/>
+              <a:t>in </a:t>
+            </a:r>
+            <a:r>
+              <a:rPr lang="en-US" dirty="0" err="1"/>
+              <a:t>Trimmomatic</a:t>
+            </a:r>
+            <a:r>
+              <a:rPr lang="en-US" dirty="0"/>
+              <a:t> manual</a:t>
+            </a:r>
+          </a:p>
+          <a:p>
+            <a:r>
+              <a:rPr lang="en-US" dirty="0"/>
+              <a:t>In this course, we will just use the “MINLEN” as our criterion, to drop reads under 60 bases long</a:t>
+            </a:r>
+          </a:p>
+          <a:p>
+            <a:r>
+              <a:rPr lang="en-US" dirty="0"/>
+              <a:t>Command:</a:t>
+            </a:r>
+          </a:p>
+          <a:p>
+            <a:pPr marL="457200" lvl="1" indent="0">
+              <a:buNone/>
+            </a:pPr>
+            <a:r>
+              <a:rPr lang="en-US" i="1" dirty="0"/>
+              <a:t> </a:t>
+            </a:r>
+            <a:r>
+              <a:rPr lang="en-US" i="1" dirty="0" err="1"/>
+              <a:t>trimmomatic</a:t>
+            </a:r>
+            <a:r>
+              <a:rPr lang="en-US" i="1" dirty="0"/>
+              <a:t> PE -threads {</a:t>
+            </a:r>
+            <a:r>
+              <a:rPr lang="en-US" i="1" dirty="0" err="1"/>
+              <a:t>coreNum</a:t>
+            </a:r>
+            <a:r>
+              <a:rPr lang="en-US" i="1" dirty="0"/>
+              <a:t>} -</a:t>
+            </a:r>
+            <a:r>
+              <a:rPr lang="en-US" i="1" dirty="0" err="1"/>
+              <a:t>trimlog</a:t>
+            </a:r>
+            <a:r>
+              <a:rPr lang="en-US" i="1" dirty="0"/>
+              <a:t> {</a:t>
+            </a:r>
+            <a:r>
+              <a:rPr lang="en-US" i="1" dirty="0" err="1"/>
+              <a:t>logFile</a:t>
+            </a:r>
+            <a:r>
+              <a:rPr lang="en-US" i="1" dirty="0"/>
+              <a:t>} -</a:t>
+            </a:r>
+            <a:r>
+              <a:rPr lang="en-US" i="1" dirty="0" err="1"/>
+              <a:t>validatePairs</a:t>
+            </a:r>
+            <a:r>
+              <a:rPr lang="en-US" i="1" dirty="0"/>
+              <a:t> {filtered_pair1.fastq} {filtered_pair2.fastq} -</a:t>
+            </a:r>
+            <a:r>
+              <a:rPr lang="en-US" i="1" dirty="0" err="1"/>
+              <a:t>baseout</a:t>
+            </a:r>
+            <a:r>
+              <a:rPr lang="en-US" i="1" dirty="0"/>
+              <a:t> {</a:t>
+            </a:r>
+            <a:r>
+              <a:rPr lang="en-US" i="1" dirty="0" err="1"/>
+              <a:t>outputName</a:t>
+            </a:r>
+            <a:r>
+              <a:rPr lang="en-US" i="1" dirty="0"/>
+              <a:t>} {criterion}</a:t>
+            </a:r>
+          </a:p>
+          <a:p>
+            <a:r>
+              <a:rPr lang="en-US" dirty="0"/>
+              <a:t>Input: {filtered_pair1/pair2.fastq} from Step 2.3</a:t>
+            </a:r>
+          </a:p>
+          <a:p>
+            <a:r>
+              <a:rPr lang="en-US" dirty="0"/>
+              <a:t>Optional Arguments: </a:t>
             </a:r>
           </a:p>
           <a:p>
@@ -3732,12 +3847,19 @@
             </a:r>
             <a:r>
               <a:rPr lang="en-US" dirty="0" err="1"/>
-              <a:t>outputName</a:t>
-            </a:r>
-            <a:r>
-              <a:rPr lang="en-US" dirty="0"/>
-              <a:t>}_1P/2P.fastq: Output for for paired samples</a:t>
-            </a:r>
+              <a:t>coreNum</a:t>
+            </a:r>
+            <a:r>
+              <a:rPr lang="en-US" dirty="0"/>
+              <a:t>} </a:t>
+            </a:r>
+            <a:r>
+              <a:rPr lang="en-US" dirty="0">
+                <a:sym typeface="Wingdings" pitchFamily="2" charset="2"/>
+              </a:rPr>
+              <a:t> Number of cores for parallelization </a:t>
+            </a:r>
+            <a:endParaRPr lang="en-US" dirty="0"/>
           </a:p>
           <a:p>
             <a:pPr lvl="1"/>
@@ -3747,21 +3869,32 @@
             </a:r>
             <a:r>
               <a:rPr lang="en-US" dirty="0" err="1"/>
-              <a:t>outputName</a:t>
-            </a:r>
-            <a:r>
-              <a:rPr lang="en-US" dirty="0"/>
-              <a:t>}_1U/2U.fastq: Output for for unpaired samples</a:t>
-            </a:r>
-          </a:p>
-          <a:p>
-            <a:r>
-              <a:rPr lang="en-US" dirty="0"/>
-              <a:t>For this workshop, we will only use the paired sample, so we will focus on the 1P/2P output files, you can discard the rest</a:t>
-            </a:r>
+              <a:t>logFile</a:t>
+            </a:r>
+            <a:r>
+              <a:rPr lang="en-US" dirty="0"/>
+              <a:t>} </a:t>
+            </a:r>
+            <a:r>
+              <a:rPr lang="en-US" dirty="0">
+                <a:sym typeface="Wingdings" pitchFamily="2" charset="2"/>
+              </a:rPr>
+              <a:t> file to write the QC log</a:t>
+            </a:r>
+            <a:endParaRPr lang="en-US" dirty="0"/>
           </a:p>
           <a:p>
             <a:pPr lvl="1"/>
+            <a:r>
+              <a:rPr lang="en-US" dirty="0"/>
+              <a:t>{criterion} </a:t>
+            </a:r>
+            <a:r>
+              <a:rPr lang="en-US" dirty="0">
+                <a:sym typeface="Wingdings" pitchFamily="2" charset="2"/>
+              </a:rPr>
+              <a:t> MINLEN:60</a:t>
+            </a:r>
             <a:endParaRPr lang="en-US" dirty="0"/>
           </a:p>
         </p:txBody>
@@ -3771,7 +3904,7 @@
           <p:cNvPr id="4" name="Slide Number Placeholder 3">
             <a:extLst>
               <a:ext uri="{FF2B5EF4-FFF2-40B4-BE49-F238E27FC236}">
-                <a16:creationId xmlns:a16="http://schemas.microsoft.com/office/drawing/2014/main" id="{E9747D49-28F5-454D-A100-7B2B472432FB}"/>
+                <a16:creationId xmlns:a16="http://schemas.microsoft.com/office/drawing/2014/main" id="{00C08B96-2A08-E54A-A4BB-2102E4A4F190}"/>
               </a:ext>
             </a:extLst>
           </p:cNvPr>
@@ -3799,7 +3932,7 @@
     </p:spTree>
     <p:extLst>
       <p:ext uri="{BB962C8B-B14F-4D97-AF65-F5344CB8AC3E}">
-        <p14:creationId xmlns:p14="http://schemas.microsoft.com/office/powerpoint/2010/main" val="1755562507"/>
+        <p14:creationId xmlns:p14="http://schemas.microsoft.com/office/powerpoint/2010/main" val="3818676680"/>
       </p:ext>
     </p:extLst>
   </p:cSld>
@@ -3831,7 +3964,7 @@
           <p:cNvPr id="2" name="Title 1">
             <a:extLst>
               <a:ext uri="{FF2B5EF4-FFF2-40B4-BE49-F238E27FC236}">
-                <a16:creationId xmlns:a16="http://schemas.microsoft.com/office/drawing/2014/main" id="{13AF4284-CE51-4446-8333-0BAD3CBA09F9}"/>
+                <a16:creationId xmlns:a16="http://schemas.microsoft.com/office/drawing/2014/main" id="{62F9A944-3B7C-FD4B-8DC2-C9B6CE470B6A}"/>
               </a:ext>
             </a:extLst>
           </p:cNvPr>
@@ -3849,7 +3982,15 @@
           <a:p>
             <a:r>
               <a:rPr lang="en-US" dirty="0"/>
-              <a:t>Step 4: Generating Relative Abundance Table </a:t>
+              <a:t>Step 3 (Cont.): </a:t>
+            </a:r>
+            <a:r>
+              <a:rPr lang="en-US" dirty="0" err="1"/>
+              <a:t>Trimmomatic</a:t>
+            </a:r>
+            <a:r>
+              <a:rPr lang="en-US" dirty="0"/>
+              <a:t> Output</a:t>
             </a:r>
           </a:p>
         </p:txBody>
@@ -3859,7 +4000,7 @@
           <p:cNvPr id="3" name="Content Placeholder 2">
             <a:extLst>
               <a:ext uri="{FF2B5EF4-FFF2-40B4-BE49-F238E27FC236}">
-                <a16:creationId xmlns:a16="http://schemas.microsoft.com/office/drawing/2014/main" id="{DFAF76E3-4E05-8F44-9F34-9CBA5A75451C}"/>
+                <a16:creationId xmlns:a16="http://schemas.microsoft.com/office/drawing/2014/main" id="{2E7D22B9-DB27-CF43-987B-712FD1F988A3}"/>
               </a:ext>
             </a:extLst>
           </p:cNvPr>
@@ -3876,179 +4017,52 @@
           <a:lstStyle/>
           <a:p>
             <a:r>
-              <a:rPr lang="en-US" dirty="0"/>
-              <a:t>Tool: MetaPhlAn2</a:t>
-            </a:r>
-          </a:p>
-          <a:p>
-            <a:r>
-              <a:rPr lang="en-US" dirty="0"/>
-              <a:t>Command:</a:t>
-            </a:r>
-          </a:p>
-          <a:p>
-            <a:pPr marL="457200" lvl="1" indent="0">
-              <a:buNone/>
-            </a:pPr>
-            <a:r>
-              <a:rPr lang="en-US" i="1" dirty="0"/>
-              <a:t>metaphlan2.py {</a:t>
-            </a:r>
-            <a:r>
-              <a:rPr lang="en-US" i="1" dirty="0" err="1"/>
-              <a:t>InputName</a:t>
-            </a:r>
-            <a:r>
-              <a:rPr lang="en-US" i="1" dirty="0"/>
-              <a:t>}_1P.fastq, {</a:t>
-            </a:r>
-            <a:r>
-              <a:rPr lang="en-US" i="1" dirty="0" err="1"/>
-              <a:t>InputName</a:t>
-            </a:r>
-            <a:r>
-              <a:rPr lang="en-US" i="1" dirty="0"/>
-              <a:t>}_2P.fastq --bowtie2out {</a:t>
-            </a:r>
-            <a:r>
-              <a:rPr lang="en-US" i="1" dirty="0" err="1"/>
-              <a:t>bowtieOutput</a:t>
-            </a:r>
-            <a:r>
-              <a:rPr lang="en-US" i="1" dirty="0"/>
-              <a:t>} --</a:t>
-            </a:r>
-            <a:r>
-              <a:rPr lang="en-US" i="1" dirty="0" err="1"/>
-              <a:t>nproc</a:t>
-            </a:r>
-            <a:r>
-              <a:rPr lang="en-US" i="1" dirty="0"/>
-              <a:t> {</a:t>
-            </a:r>
-            <a:r>
-              <a:rPr lang="en-US" i="1" dirty="0" err="1"/>
-              <a:t>coreNum</a:t>
-            </a:r>
-            <a:r>
-              <a:rPr lang="en-US" i="1" dirty="0"/>
-              <a:t>} --</a:t>
-            </a:r>
-            <a:r>
-              <a:rPr lang="en-US" i="1" dirty="0" err="1"/>
-              <a:t>input_type</a:t>
-            </a:r>
-            <a:r>
-              <a:rPr lang="en-US" i="1" dirty="0"/>
-              <a:t> </a:t>
-            </a:r>
-            <a:r>
-              <a:rPr lang="en-US" i="1" dirty="0" err="1"/>
-              <a:t>fastq</a:t>
-            </a:r>
-            <a:r>
-              <a:rPr lang="en-US" i="1" dirty="0"/>
-              <a:t> &gt; {output}</a:t>
-            </a:r>
-          </a:p>
-          <a:p>
-            <a:pPr marL="400050"/>
-            <a:r>
-              <a:rPr lang="en-US" dirty="0"/>
-              <a:t>Input: {</a:t>
-            </a:r>
-            <a:r>
               <a:rPr lang="en-US" dirty="0" err="1"/>
-              <a:t>InputName</a:t>
-            </a:r>
-            <a:r>
-              <a:rPr lang="en-US" dirty="0"/>
-              <a:t>}_1P/2P.fastq </a:t>
-            </a:r>
-            <a:r>
-              <a:rPr lang="en-US" dirty="0">
-                <a:sym typeface="Wingdings" pitchFamily="2" charset="2"/>
-              </a:rPr>
-              <a:t> from Step 3</a:t>
-            </a:r>
-          </a:p>
-          <a:p>
-            <a:pPr marL="400050"/>
-            <a:r>
-              <a:rPr lang="en-US" dirty="0">
-                <a:sym typeface="Wingdings" pitchFamily="2" charset="2"/>
-              </a:rPr>
-              <a:t>Optional Arguments:</a:t>
-            </a:r>
-          </a:p>
-          <a:p>
-            <a:pPr marL="800100" lvl="1"/>
-            <a:r>
-              <a:rPr lang="en-US" dirty="0">
-                <a:sym typeface="Wingdings" pitchFamily="2" charset="2"/>
-              </a:rPr>
+              <a:t>Trimmomatic</a:t>
+            </a:r>
+            <a:r>
+              <a:rPr lang="en-US" dirty="0"/>
+              <a:t> will spit 4 files:</a:t>
+            </a:r>
+          </a:p>
+          <a:p>
+            <a:pPr lvl="1"/>
+            <a:r>
+              <a:rPr lang="en-US" dirty="0"/>
               <a:t>{</a:t>
             </a:r>
             <a:r>
-              <a:rPr lang="en-US" dirty="0" err="1">
-                <a:sym typeface="Wingdings" pitchFamily="2" charset="2"/>
-              </a:rPr>
-              <a:t>bowtieOutput</a:t>
-            </a:r>
-            <a:r>
-              <a:rPr lang="en-US" dirty="0">
-                <a:sym typeface="Wingdings" pitchFamily="2" charset="2"/>
-              </a:rPr>
-              <a:t>}  saving intermediate bowtie result (will save time in case of repetition)</a:t>
-            </a:r>
-          </a:p>
-          <a:p>
-            <a:pPr marL="800100" lvl="1"/>
-            <a:r>
-              <a:rPr lang="en-US" dirty="0">
-                <a:sym typeface="Wingdings" pitchFamily="2" charset="2"/>
-              </a:rPr>
+              <a:rPr lang="en-US" dirty="0" err="1"/>
+              <a:t>outputName</a:t>
+            </a:r>
+            <a:r>
+              <a:rPr lang="en-US" dirty="0"/>
+              <a:t>}_1P/2P.fastq: Output for for paired samples</a:t>
+            </a:r>
+          </a:p>
+          <a:p>
+            <a:pPr lvl="1"/>
+            <a:r>
+              <a:rPr lang="en-US" dirty="0"/>
               <a:t>{</a:t>
             </a:r>
             <a:r>
-              <a:rPr lang="en-US" dirty="0" err="1">
-                <a:sym typeface="Wingdings" pitchFamily="2" charset="2"/>
-              </a:rPr>
-              <a:t>coreNum</a:t>
-            </a:r>
-            <a:r>
-              <a:rPr lang="en-US" dirty="0">
-                <a:sym typeface="Wingdings" pitchFamily="2" charset="2"/>
-              </a:rPr>
-              <a:t>}</a:t>
-            </a:r>
-          </a:p>
-          <a:p>
-            <a:pPr marL="400050"/>
-            <a:r>
-              <a:rPr lang="en-US" dirty="0">
-                <a:sym typeface="Wingdings" pitchFamily="2" charset="2"/>
-              </a:rPr>
-              <a:t>Output: </a:t>
-            </a:r>
-            <a:r>
-              <a:rPr lang="en-US" dirty="0"/>
-              <a:t>Microbial species and the relative abundance and the visualization</a:t>
-            </a:r>
-          </a:p>
-          <a:p>
-            <a:pPr marL="457200" lvl="1" indent="0">
-              <a:buNone/>
-            </a:pPr>
-            <a:endParaRPr lang="en-US" dirty="0"/>
-          </a:p>
-          <a:p>
-            <a:endParaRPr lang="en-US" dirty="0"/>
-          </a:p>
-          <a:p>
-            <a:endParaRPr lang="en-US" dirty="0"/>
-          </a:p>
-          <a:p>
+              <a:rPr lang="en-US" dirty="0" err="1"/>
+              <a:t>outputName</a:t>
+            </a:r>
+            <a:r>
+              <a:rPr lang="en-US" dirty="0"/>
+              <a:t>}_1U/2U.fastq: Output for for unpaired samples</a:t>
+            </a:r>
+          </a:p>
+          <a:p>
+            <a:r>
+              <a:rPr lang="en-US" dirty="0"/>
+              <a:t>For this workshop, we will only use the paired sample, so we will focus on the 1P/2P output files, you can discard the rest</a:t>
+            </a:r>
+          </a:p>
+          <a:p>
+            <a:pPr lvl="1"/>
             <a:endParaRPr lang="en-US" dirty="0"/>
           </a:p>
         </p:txBody>
@@ -4058,7 +4072,7 @@
           <p:cNvPr id="4" name="Slide Number Placeholder 3">
             <a:extLst>
               <a:ext uri="{FF2B5EF4-FFF2-40B4-BE49-F238E27FC236}">
-                <a16:creationId xmlns:a16="http://schemas.microsoft.com/office/drawing/2014/main" id="{F5017EBE-BB39-D440-BDF5-694FC0B41940}"/>
+                <a16:creationId xmlns:a16="http://schemas.microsoft.com/office/drawing/2014/main" id="{E9747D49-28F5-454D-A100-7B2B472432FB}"/>
               </a:ext>
             </a:extLst>
           </p:cNvPr>
@@ -4086,7 +4100,7 @@
     </p:spTree>
     <p:extLst>
       <p:ext uri="{BB962C8B-B14F-4D97-AF65-F5344CB8AC3E}">
-        <p14:creationId xmlns:p14="http://schemas.microsoft.com/office/powerpoint/2010/main" val="136407300"/>
+        <p14:creationId xmlns:p14="http://schemas.microsoft.com/office/powerpoint/2010/main" val="1755562507"/>
       </p:ext>
     </p:extLst>
   </p:cSld>
@@ -4118,6 +4132,293 @@
           <p:cNvPr id="2" name="Title 1">
             <a:extLst>
               <a:ext uri="{FF2B5EF4-FFF2-40B4-BE49-F238E27FC236}">
+                <a16:creationId xmlns:a16="http://schemas.microsoft.com/office/drawing/2014/main" id="{13AF4284-CE51-4446-8333-0BAD3CBA09F9}"/>
+              </a:ext>
+            </a:extLst>
+          </p:cNvPr>
+          <p:cNvSpPr>
+            <a:spLocks noGrp="1"/>
+          </p:cNvSpPr>
+          <p:nvPr>
+            <p:ph type="title"/>
+          </p:nvPr>
+        </p:nvSpPr>
+        <p:spPr/>
+        <p:txBody>
+          <a:bodyPr/>
+          <a:lstStyle/>
+          <a:p>
+            <a:r>
+              <a:rPr lang="en-US" dirty="0"/>
+              <a:t>Step 4: Generating Relative Abundance Table </a:t>
+            </a:r>
+          </a:p>
+        </p:txBody>
+      </p:sp>
+      <p:sp>
+        <p:nvSpPr>
+          <p:cNvPr id="3" name="Content Placeholder 2">
+            <a:extLst>
+              <a:ext uri="{FF2B5EF4-FFF2-40B4-BE49-F238E27FC236}">
+                <a16:creationId xmlns:a16="http://schemas.microsoft.com/office/drawing/2014/main" id="{DFAF76E3-4E05-8F44-9F34-9CBA5A75451C}"/>
+              </a:ext>
+            </a:extLst>
+          </p:cNvPr>
+          <p:cNvSpPr>
+            <a:spLocks noGrp="1"/>
+          </p:cNvSpPr>
+          <p:nvPr>
+            <p:ph idx="1"/>
+          </p:nvPr>
+        </p:nvSpPr>
+        <p:spPr/>
+        <p:txBody>
+          <a:bodyPr/>
+          <a:lstStyle/>
+          <a:p>
+            <a:r>
+              <a:rPr lang="en-US" dirty="0"/>
+              <a:t>Tool: MetaPhlAn2</a:t>
+            </a:r>
+          </a:p>
+          <a:p>
+            <a:r>
+              <a:rPr lang="en-US" dirty="0"/>
+              <a:t>Command:</a:t>
+            </a:r>
+          </a:p>
+          <a:p>
+            <a:pPr marL="457200" lvl="1" indent="0">
+              <a:buNone/>
+            </a:pPr>
+            <a:r>
+              <a:rPr lang="en-US" i="1" dirty="0"/>
+              <a:t>metaphlan2.py {</a:t>
+            </a:r>
+            <a:r>
+              <a:rPr lang="en-US" i="1" dirty="0" err="1"/>
+              <a:t>InputName</a:t>
+            </a:r>
+            <a:r>
+              <a:rPr lang="en-US" i="1" dirty="0"/>
+              <a:t>}_1P.fastq, {</a:t>
+            </a:r>
+            <a:r>
+              <a:rPr lang="en-US" i="1" dirty="0" err="1"/>
+              <a:t>InputName</a:t>
+            </a:r>
+            <a:r>
+              <a:rPr lang="en-US" i="1" dirty="0"/>
+              <a:t>}_2P.fastq --bowtie2out {</a:t>
+            </a:r>
+            <a:r>
+              <a:rPr lang="en-US" i="1" dirty="0" err="1"/>
+              <a:t>bowtieOutput</a:t>
+            </a:r>
+            <a:r>
+              <a:rPr lang="en-US" i="1" dirty="0"/>
+              <a:t>} --</a:t>
+            </a:r>
+            <a:r>
+              <a:rPr lang="en-US" i="1" dirty="0" err="1"/>
+              <a:t>nproc</a:t>
+            </a:r>
+            <a:r>
+              <a:rPr lang="en-US" i="1" dirty="0"/>
+              <a:t> {</a:t>
+            </a:r>
+            <a:r>
+              <a:rPr lang="en-US" i="1" dirty="0" err="1"/>
+              <a:t>coreNum</a:t>
+            </a:r>
+            <a:r>
+              <a:rPr lang="en-US" i="1" dirty="0"/>
+              <a:t>} --</a:t>
+            </a:r>
+            <a:r>
+              <a:rPr lang="en-US" i="1" dirty="0" err="1"/>
+              <a:t>input_type</a:t>
+            </a:r>
+            <a:r>
+              <a:rPr lang="en-US" i="1" dirty="0"/>
+              <a:t> </a:t>
+            </a:r>
+            <a:r>
+              <a:rPr lang="en-US" i="1" dirty="0" err="1"/>
+              <a:t>fastq</a:t>
+            </a:r>
+            <a:r>
+              <a:rPr lang="en-US" i="1" dirty="0"/>
+              <a:t> &gt; {output}</a:t>
+            </a:r>
+          </a:p>
+          <a:p>
+            <a:pPr marL="400050"/>
+            <a:r>
+              <a:rPr lang="en-US" dirty="0"/>
+              <a:t>Input: {</a:t>
+            </a:r>
+            <a:r>
+              <a:rPr lang="en-US" dirty="0" err="1"/>
+              <a:t>InputName</a:t>
+            </a:r>
+            <a:r>
+              <a:rPr lang="en-US" dirty="0"/>
+              <a:t>}_1P/2P.fastq </a:t>
+            </a:r>
+            <a:r>
+              <a:rPr lang="en-US" dirty="0">
+                <a:sym typeface="Wingdings" pitchFamily="2" charset="2"/>
+              </a:rPr>
+              <a:t> from Step 3</a:t>
+            </a:r>
+          </a:p>
+          <a:p>
+            <a:pPr marL="400050"/>
+            <a:r>
+              <a:rPr lang="en-US" dirty="0">
+                <a:sym typeface="Wingdings" pitchFamily="2" charset="2"/>
+              </a:rPr>
+              <a:t>Optional Arguments:</a:t>
+            </a:r>
+          </a:p>
+          <a:p>
+            <a:pPr marL="800100" lvl="1"/>
+            <a:r>
+              <a:rPr lang="en-US" dirty="0">
+                <a:sym typeface="Wingdings" pitchFamily="2" charset="2"/>
+              </a:rPr>
+              <a:t>{</a:t>
+            </a:r>
+            <a:r>
+              <a:rPr lang="en-US" dirty="0" err="1">
+                <a:sym typeface="Wingdings" pitchFamily="2" charset="2"/>
+              </a:rPr>
+              <a:t>bowtieOutput</a:t>
+            </a:r>
+            <a:r>
+              <a:rPr lang="en-US" dirty="0">
+                <a:sym typeface="Wingdings" pitchFamily="2" charset="2"/>
+              </a:rPr>
+              <a:t>}  saving intermediate bowtie result (will save time in case of repetition)</a:t>
+            </a:r>
+          </a:p>
+          <a:p>
+            <a:pPr marL="800100" lvl="1"/>
+            <a:r>
+              <a:rPr lang="en-US" dirty="0">
+                <a:sym typeface="Wingdings" pitchFamily="2" charset="2"/>
+              </a:rPr>
+              <a:t>{</a:t>
+            </a:r>
+            <a:r>
+              <a:rPr lang="en-US" dirty="0" err="1">
+                <a:sym typeface="Wingdings" pitchFamily="2" charset="2"/>
+              </a:rPr>
+              <a:t>coreNum</a:t>
+            </a:r>
+            <a:r>
+              <a:rPr lang="en-US" dirty="0">
+                <a:sym typeface="Wingdings" pitchFamily="2" charset="2"/>
+              </a:rPr>
+              <a:t>}</a:t>
+            </a:r>
+          </a:p>
+          <a:p>
+            <a:pPr marL="400050"/>
+            <a:r>
+              <a:rPr lang="en-US" dirty="0">
+                <a:sym typeface="Wingdings" pitchFamily="2" charset="2"/>
+              </a:rPr>
+              <a:t>Output: </a:t>
+            </a:r>
+            <a:r>
+              <a:rPr lang="en-US" dirty="0"/>
+              <a:t>Microbial species and the relative abundance and the visualization</a:t>
+            </a:r>
+          </a:p>
+          <a:p>
+            <a:pPr marL="457200" lvl="1" indent="0">
+              <a:buNone/>
+            </a:pPr>
+            <a:endParaRPr lang="en-US" dirty="0"/>
+          </a:p>
+          <a:p>
+            <a:endParaRPr lang="en-US" dirty="0"/>
+          </a:p>
+          <a:p>
+            <a:endParaRPr lang="en-US" dirty="0"/>
+          </a:p>
+          <a:p>
+            <a:endParaRPr lang="en-US" dirty="0"/>
+          </a:p>
+        </p:txBody>
+      </p:sp>
+      <p:sp>
+        <p:nvSpPr>
+          <p:cNvPr id="4" name="Slide Number Placeholder 3">
+            <a:extLst>
+              <a:ext uri="{FF2B5EF4-FFF2-40B4-BE49-F238E27FC236}">
+                <a16:creationId xmlns:a16="http://schemas.microsoft.com/office/drawing/2014/main" id="{F5017EBE-BB39-D440-BDF5-694FC0B41940}"/>
+              </a:ext>
+            </a:extLst>
+          </p:cNvPr>
+          <p:cNvSpPr>
+            <a:spLocks noGrp="1"/>
+          </p:cNvSpPr>
+          <p:nvPr>
+            <p:ph type="sldNum" sz="quarter" idx="12"/>
+          </p:nvPr>
+        </p:nvSpPr>
+        <p:spPr/>
+        <p:txBody>
+          <a:bodyPr/>
+          <a:lstStyle/>
+          <a:p>
+            <a:fld id="{16E92535-E9D8-4DDA-83D0-380D5F2D29E9}" type="slidenum">
+              <a:rPr lang="en-US" smtClean="0"/>
+              <a:pPr/>
+              <a:t>12</a:t>
+            </a:fld>
+            <a:endParaRPr lang="en-US"/>
+          </a:p>
+        </p:txBody>
+      </p:sp>
+    </p:spTree>
+    <p:extLst>
+      <p:ext uri="{BB962C8B-B14F-4D97-AF65-F5344CB8AC3E}">
+        <p14:creationId xmlns:p14="http://schemas.microsoft.com/office/powerpoint/2010/main" val="136407300"/>
+      </p:ext>
+    </p:extLst>
+  </p:cSld>
+  <p:clrMapOvr>
+    <a:masterClrMapping/>
+  </p:clrMapOvr>
+</p:sld>
+</file>
+
+<file path=ppt/slides/slide13.xml><?xml version="1.0" encoding="utf-8"?>
+<p:sld xmlns:a="http://schemas.openxmlformats.org/drawingml/2006/main" xmlns:r="http://schemas.openxmlformats.org/officeDocument/2006/relationships" xmlns:p="http://schemas.openxmlformats.org/presentationml/2006/main">
+  <p:cSld>
+    <p:spTree>
+      <p:nvGrpSpPr>
+        <p:cNvPr id="1" name=""/>
+        <p:cNvGrpSpPr/>
+        <p:nvPr/>
+      </p:nvGrpSpPr>
+      <p:grpSpPr>
+        <a:xfrm>
+          <a:off x="0" y="0"/>
+          <a:ext cx="0" cy="0"/>
+          <a:chOff x="0" y="0"/>
+          <a:chExt cx="0" cy="0"/>
+        </a:xfrm>
+      </p:grpSpPr>
+      <p:sp>
+        <p:nvSpPr>
+          <p:cNvPr id="2" name="Title 1">
+            <a:extLst>
+              <a:ext uri="{FF2B5EF4-FFF2-40B4-BE49-F238E27FC236}">
                 <a16:creationId xmlns:a16="http://schemas.microsoft.com/office/drawing/2014/main" id="{9D1EBE44-3ADF-4C48-AEBC-2728A064DA83}"/>
               </a:ext>
             </a:extLst>
@@ -4272,7 +4573,7 @@
             <a:fld id="{16E92535-E9D8-4DDA-83D0-380D5F2D29E9}" type="slidenum">
               <a:rPr lang="en-US" smtClean="0"/>
               <a:pPr/>
-              <a:t>12</a:t>
+              <a:t>13</a:t>
             </a:fld>
             <a:endParaRPr lang="en-US"/>
           </a:p>
@@ -4527,7 +4828,7 @@
           <p:cNvPr id="2" name="Title 1">
             <a:extLst>
               <a:ext uri="{FF2B5EF4-FFF2-40B4-BE49-F238E27FC236}">
-                <a16:creationId xmlns:a16="http://schemas.microsoft.com/office/drawing/2014/main" id="{935AEAFE-EE2B-B342-A63D-28C8D5A10AD4}"/>
+                <a16:creationId xmlns:a16="http://schemas.microsoft.com/office/drawing/2014/main" id="{ACD18B7F-4879-B246-A666-6F9C277BC242}"/>
               </a:ext>
             </a:extLst>
           </p:cNvPr>
@@ -4545,7 +4846,7 @@
           <a:p>
             <a:r>
               <a:rPr lang="en-US" dirty="0"/>
-              <a:t>UPPMAX</a:t>
+              <a:t>Step 0: Setup</a:t>
             </a:r>
           </a:p>
         </p:txBody>
@@ -4555,7 +4856,7 @@
           <p:cNvPr id="3" name="Content Placeholder 2">
             <a:extLst>
               <a:ext uri="{FF2B5EF4-FFF2-40B4-BE49-F238E27FC236}">
-                <a16:creationId xmlns:a16="http://schemas.microsoft.com/office/drawing/2014/main" id="{1D2491B1-66BD-804C-879A-829F583591EA}"/>
+                <a16:creationId xmlns:a16="http://schemas.microsoft.com/office/drawing/2014/main" id="{575DB431-F5A7-4C40-8412-D261A3190463}"/>
               </a:ext>
             </a:extLst>
           </p:cNvPr>
@@ -4566,166 +4867,152 @@
             <p:ph idx="1"/>
           </p:nvPr>
         </p:nvSpPr>
-        <p:spPr>
-          <a:xfrm>
-            <a:off x="457200" y="1268760"/>
-            <a:ext cx="8291264" cy="4896544"/>
-          </a:xfrm>
-        </p:spPr>
-        <p:txBody>
-          <a:bodyPr>
-            <a:normAutofit/>
-          </a:bodyPr>
-          <a:lstStyle/>
-          <a:p>
-            <a:pPr marL="0" indent="0">
+        <p:spPr/>
+        <p:txBody>
+          <a:bodyPr/>
+          <a:lstStyle/>
+          <a:p>
+            <a:r>
+              <a:rPr lang="en-US" dirty="0"/>
+              <a:t>We need 3 main files to start with:</a:t>
+            </a:r>
+          </a:p>
+          <a:p>
+            <a:pPr lvl="1"/>
+            <a:r>
+              <a:rPr lang="en-US" dirty="0"/>
+              <a:t>2 x Metagenome sequencing files (paired)</a:t>
+            </a:r>
+          </a:p>
+          <a:p>
+            <a:pPr lvl="1"/>
+            <a:r>
+              <a:rPr lang="en-US" dirty="0"/>
+              <a:t>Bowtie2 index for human: </a:t>
+            </a:r>
+          </a:p>
+          <a:p>
+            <a:pPr marL="914400" lvl="2" indent="0">
               <a:buNone/>
             </a:pPr>
             <a:r>
-              <a:rPr lang="en-US" sz="1800" b="1" dirty="0"/>
-              <a:t>Connect to interactive mode</a:t>
-            </a:r>
-          </a:p>
-          <a:p>
-            <a:pPr marL="0" indent="0">
-              <a:buNone/>
-            </a:pPr>
-            <a:r>
-              <a:rPr lang="en-US" sz="1800" dirty="0"/>
-              <a:t>interactive -A g2018024 -p core -n 2 -t 03:00:00 -J </a:t>
-            </a:r>
-            <a:r>
-              <a:rPr lang="en-US" sz="1800" dirty="0" err="1"/>
-              <a:t>any.name</a:t>
-            </a:r>
-            <a:r>
-              <a:rPr lang="en-US" sz="1800" dirty="0"/>
-              <a:t> --mail-user </a:t>
-            </a:r>
-            <a:r>
-              <a:rPr lang="en-US" sz="1800" dirty="0" err="1"/>
-              <a:t>your_email</a:t>
-            </a:r>
-            <a:r>
-              <a:rPr lang="en-US" sz="1800" dirty="0"/>
-              <a:t> --mail-type=ALL</a:t>
-            </a:r>
-          </a:p>
-          <a:p>
-            <a:pPr marL="0" indent="0">
-              <a:buNone/>
-            </a:pPr>
-            <a:endParaRPr lang="en-US" sz="1800" dirty="0"/>
-          </a:p>
-          <a:p>
-            <a:pPr marL="0" indent="0">
-              <a:buNone/>
-            </a:pPr>
-            <a:r>
-              <a:rPr lang="en-US" sz="1800" b="1" dirty="0"/>
-              <a:t>Load these modules:</a:t>
-            </a:r>
-          </a:p>
-          <a:p>
-            <a:pPr marL="0" indent="0">
-              <a:buNone/>
-            </a:pPr>
-            <a:r>
-              <a:rPr lang="en-US" sz="1800" dirty="0"/>
-              <a:t>module load </a:t>
-            </a:r>
-            <a:r>
-              <a:rPr lang="en-US" sz="1800" dirty="0" err="1"/>
-              <a:t>bioinfo</a:t>
-            </a:r>
-            <a:r>
-              <a:rPr lang="en-US" sz="1800" dirty="0"/>
-              <a:t>-tools</a:t>
-            </a:r>
-          </a:p>
-          <a:p>
-            <a:pPr marL="0" indent="0">
-              <a:buNone/>
-            </a:pPr>
-            <a:r>
-              <a:rPr lang="en-US" sz="1800" dirty="0"/>
-              <a:t>module load bowtie2</a:t>
-            </a:r>
-          </a:p>
-          <a:p>
-            <a:pPr marL="0" indent="0">
-              <a:buNone/>
-            </a:pPr>
-            <a:r>
-              <a:rPr lang="en-US" sz="1800" dirty="0"/>
-              <a:t>module load </a:t>
-            </a:r>
-            <a:r>
-              <a:rPr lang="en-US" sz="1800" dirty="0" err="1"/>
-              <a:t>BEDTools</a:t>
-            </a:r>
-            <a:endParaRPr lang="en-US" sz="1800" dirty="0"/>
-          </a:p>
-          <a:p>
-            <a:pPr marL="0" indent="0">
-              <a:buNone/>
-            </a:pPr>
-            <a:r>
-              <a:rPr lang="en-US" sz="1800" dirty="0"/>
-              <a:t>module load </a:t>
-            </a:r>
-            <a:r>
-              <a:rPr lang="en-US" sz="1800" dirty="0" err="1"/>
-              <a:t>samtools</a:t>
-            </a:r>
-            <a:endParaRPr lang="en-US" sz="1800" dirty="0"/>
-          </a:p>
-          <a:p>
-            <a:pPr marL="0" indent="0">
-              <a:buNone/>
-            </a:pPr>
-            <a:endParaRPr lang="en-US" sz="1800" dirty="0"/>
-          </a:p>
-          <a:p>
-            <a:pPr marL="0" indent="0">
-              <a:buNone/>
-            </a:pPr>
-            <a:r>
-              <a:rPr lang="en-US" sz="1800" b="1" dirty="0"/>
-              <a:t>Folder of Data:</a:t>
-            </a:r>
-          </a:p>
-          <a:p>
-            <a:pPr marL="0" indent="0">
-              <a:buNone/>
-            </a:pPr>
-            <a:r>
-              <a:rPr lang="en-US" sz="1800" dirty="0"/>
-              <a:t>/</a:t>
-            </a:r>
-            <a:r>
-              <a:rPr lang="en-US" sz="1800" dirty="0" err="1"/>
-              <a:t>proj</a:t>
-            </a:r>
-            <a:r>
-              <a:rPr lang="en-US" sz="1800" dirty="0"/>
-              <a:t>/g2018024/</a:t>
-            </a:r>
-            <a:r>
-              <a:rPr lang="en-US" sz="1800" dirty="0" err="1"/>
-              <a:t>nobackup</a:t>
-            </a:r>
-            <a:r>
-              <a:rPr lang="en-US" sz="1800" dirty="0"/>
-              <a:t>/</a:t>
-            </a:r>
-            <a:r>
-              <a:rPr lang="en-US" sz="1800" dirty="0" err="1"/>
-              <a:t>MetagenomicWorkshop</a:t>
-            </a:r>
-            <a:r>
-              <a:rPr lang="en-US" sz="1800" dirty="0"/>
-              <a:t>/</a:t>
+              <a:rPr lang="en-US" dirty="0">
+                <a:hlinkClick r:id="rId2"/>
+              </a:rPr>
+              <a:t>http://bowtie-bio.sourceforge.net/bowtie2/index.shtml</a:t>
+            </a:r>
+            <a:endParaRPr lang="en-US" dirty="0"/>
+          </a:p>
+          <a:p>
+            <a:pPr marL="457200"/>
+            <a:r>
+              <a:rPr lang="en-US" dirty="0"/>
+              <a:t>Install all the required software:</a:t>
+            </a:r>
+          </a:p>
+          <a:p>
+            <a:pPr lvl="1"/>
+            <a:r>
+              <a:rPr lang="en-US" dirty="0"/>
+              <a:t>Bowtie2: </a:t>
+            </a:r>
+            <a:r>
+              <a:rPr lang="en-US" dirty="0">
+                <a:hlinkClick r:id="rId2"/>
+              </a:rPr>
+              <a:t>http://bowtie-bio.sourceforge.net/bowtie2/index.shtml</a:t>
+            </a:r>
+            <a:endParaRPr lang="en-US" dirty="0"/>
+          </a:p>
+          <a:p>
+            <a:pPr lvl="1"/>
+            <a:r>
+              <a:rPr lang="en-US" dirty="0" err="1"/>
+              <a:t>Samtools</a:t>
+            </a:r>
+            <a:r>
+              <a:rPr lang="en-US" dirty="0"/>
+              <a:t>: </a:t>
+            </a:r>
+            <a:r>
+              <a:rPr lang="en-US" dirty="0">
+                <a:hlinkClick r:id="rId3"/>
+              </a:rPr>
+              <a:t>http://samtools.sourceforge.net/</a:t>
+            </a:r>
+            <a:r>
+              <a:rPr lang="en-US" dirty="0"/>
+              <a:t> </a:t>
+            </a:r>
+          </a:p>
+          <a:p>
+            <a:pPr lvl="1"/>
+            <a:r>
+              <a:rPr lang="en-US" dirty="0" err="1"/>
+              <a:t>Bedtools</a:t>
+            </a:r>
+            <a:r>
+              <a:rPr lang="en-US" dirty="0"/>
+              <a:t>: </a:t>
+            </a:r>
+            <a:r>
+              <a:rPr lang="en-US" dirty="0">
+                <a:hlinkClick r:id="rId4"/>
+              </a:rPr>
+              <a:t>https://bedtools.readthedocs.io/en/latest/</a:t>
+            </a:r>
+            <a:r>
+              <a:rPr lang="en-US" dirty="0"/>
+              <a:t> </a:t>
+            </a:r>
+          </a:p>
+          <a:p>
+            <a:pPr lvl="1"/>
+            <a:r>
+              <a:rPr lang="en-US" dirty="0" err="1"/>
+              <a:t>Trimmomatic</a:t>
+            </a:r>
+            <a:r>
+              <a:rPr lang="en-US" dirty="0"/>
+              <a:t>: </a:t>
+            </a:r>
+            <a:r>
+              <a:rPr lang="en-US" dirty="0">
+                <a:hlinkClick r:id="rId5"/>
+              </a:rPr>
+              <a:t>http://www.usadellab.org/cms/?page=trimmomatic</a:t>
+            </a:r>
+            <a:r>
+              <a:rPr lang="en-US" dirty="0"/>
+              <a:t> </a:t>
+            </a:r>
+          </a:p>
+          <a:p>
+            <a:pPr lvl="1"/>
+            <a:r>
+              <a:rPr lang="en-US" dirty="0"/>
+              <a:t>MetaPhlAn2: </a:t>
+            </a:r>
+            <a:r>
+              <a:rPr lang="en-US" dirty="0">
+                <a:hlinkClick r:id="rId6"/>
+              </a:rPr>
+              <a:t>https://bitbucket.org/biobakery/metaphlan2</a:t>
+            </a:r>
+            <a:endParaRPr lang="en-US" dirty="0"/>
+          </a:p>
+          <a:p>
+            <a:r>
+              <a:rPr lang="en-US" dirty="0"/>
+              <a:t>All files and </a:t>
+            </a:r>
+            <a:r>
+              <a:rPr lang="en-US" dirty="0" err="1"/>
+              <a:t>softwares</a:t>
+            </a:r>
+            <a:r>
+              <a:rPr lang="en-US" dirty="0"/>
+              <a:t> are available in UPPMAX, except MetaPhlAn2</a:t>
             </a:r>
           </a:p>
         </p:txBody>
@@ -4735,7 +5022,7 @@
           <p:cNvPr id="4" name="Slide Number Placeholder 3">
             <a:extLst>
               <a:ext uri="{FF2B5EF4-FFF2-40B4-BE49-F238E27FC236}">
-                <a16:creationId xmlns:a16="http://schemas.microsoft.com/office/drawing/2014/main" id="{65863F8B-59AA-BD47-89CC-AFD7C1B0CFBC}"/>
+                <a16:creationId xmlns:a16="http://schemas.microsoft.com/office/drawing/2014/main" id="{8C7AC671-F135-0846-BBC0-D414F98B5E27}"/>
               </a:ext>
             </a:extLst>
           </p:cNvPr>
@@ -4763,7 +5050,7 @@
     </p:spTree>
     <p:extLst>
       <p:ext uri="{BB962C8B-B14F-4D97-AF65-F5344CB8AC3E}">
-        <p14:creationId xmlns:p14="http://schemas.microsoft.com/office/powerpoint/2010/main" val="2251779620"/>
+        <p14:creationId xmlns:p14="http://schemas.microsoft.com/office/powerpoint/2010/main" val="2463694041"/>
       </p:ext>
     </p:extLst>
   </p:cSld>
@@ -4795,7 +5082,7 @@
           <p:cNvPr id="2" name="Title 1">
             <a:extLst>
               <a:ext uri="{FF2B5EF4-FFF2-40B4-BE49-F238E27FC236}">
-                <a16:creationId xmlns:a16="http://schemas.microsoft.com/office/drawing/2014/main" id="{ACD18B7F-4879-B246-A666-6F9C277BC242}"/>
+                <a16:creationId xmlns:a16="http://schemas.microsoft.com/office/drawing/2014/main" id="{9FF55179-C6F5-6F44-A5A0-EE44EFB18DD7}"/>
               </a:ext>
             </a:extLst>
           </p:cNvPr>
@@ -4813,8 +5100,13 @@
           <a:p>
             <a:r>
               <a:rPr lang="en-US" dirty="0"/>
-              <a:t>Step 0: Setup</a:t>
-            </a:r>
+              <a:t>In case you have Ana/</a:t>
+            </a:r>
+            <a:r>
+              <a:rPr lang="en-US" dirty="0" err="1"/>
+              <a:t>Miniconda</a:t>
+            </a:r>
+            <a:endParaRPr lang="en-US" dirty="0"/>
           </a:p>
         </p:txBody>
       </p:sp>
@@ -4823,7 +5115,7 @@
           <p:cNvPr id="3" name="Content Placeholder 2">
             <a:extLst>
               <a:ext uri="{FF2B5EF4-FFF2-40B4-BE49-F238E27FC236}">
-                <a16:creationId xmlns:a16="http://schemas.microsoft.com/office/drawing/2014/main" id="{575DB431-F5A7-4C40-8412-D261A3190463}"/>
+                <a16:creationId xmlns:a16="http://schemas.microsoft.com/office/drawing/2014/main" id="{C36BD190-11A7-F449-BDB3-D6725599F319}"/>
               </a:ext>
             </a:extLst>
           </p:cNvPr>
@@ -4834,153 +5126,103 @@
             <p:ph idx="1"/>
           </p:nvPr>
         </p:nvSpPr>
-        <p:spPr/>
-        <p:txBody>
-          <a:bodyPr/>
-          <a:lstStyle/>
-          <a:p>
-            <a:r>
-              <a:rPr lang="en-US" dirty="0"/>
-              <a:t>We need 3 main files to start with:</a:t>
-            </a:r>
-          </a:p>
-          <a:p>
-            <a:pPr lvl="1"/>
-            <a:r>
-              <a:rPr lang="en-US" dirty="0"/>
-              <a:t>2 x Metagenome sequencing files (paired)</a:t>
-            </a:r>
-          </a:p>
-          <a:p>
-            <a:pPr lvl="1"/>
-            <a:r>
-              <a:rPr lang="en-US" dirty="0"/>
-              <a:t>Bowtie2 index for human: </a:t>
-            </a:r>
-          </a:p>
-          <a:p>
-            <a:pPr marL="914400" lvl="2" indent="0">
+        <p:spPr>
+          <a:xfrm>
+            <a:off x="457200" y="1600200"/>
+            <a:ext cx="8229600" cy="2260847"/>
+          </a:xfrm>
+        </p:spPr>
+        <p:txBody>
+          <a:bodyPr>
+            <a:normAutofit/>
+          </a:bodyPr>
+          <a:lstStyle/>
+          <a:p>
+            <a:r>
+              <a:rPr lang="en-US" dirty="0"/>
+              <a:t>Download and install </a:t>
+            </a:r>
+            <a:r>
+              <a:rPr lang="en-US" dirty="0" err="1"/>
+              <a:t>miniconda</a:t>
+            </a:r>
+            <a:r>
+              <a:rPr lang="en-US" dirty="0"/>
+              <a:t> in </a:t>
+            </a:r>
+            <a:r>
+              <a:rPr lang="en-US" dirty="0" err="1"/>
+              <a:t>uppmax</a:t>
+            </a:r>
+            <a:r>
+              <a:rPr lang="en-US" dirty="0"/>
+              <a:t> or your own computer</a:t>
+            </a:r>
+          </a:p>
+          <a:p>
+            <a:r>
+              <a:rPr lang="en-US" dirty="0"/>
+              <a:t>Create an environment and install all the packages (</a:t>
+            </a:r>
+            <a:r>
+              <a:rPr lang="en-US" dirty="0" err="1"/>
+              <a:t>yaml</a:t>
+            </a:r>
+            <a:r>
+              <a:rPr lang="en-US" dirty="0"/>
+              <a:t> file included in the </a:t>
+            </a:r>
+            <a:r>
+              <a:rPr lang="en-US" dirty="0" err="1"/>
+              <a:t>github</a:t>
+            </a:r>
+            <a:r>
+              <a:rPr lang="en-US" dirty="0"/>
+              <a:t>)</a:t>
+            </a:r>
+          </a:p>
+          <a:p>
+            <a:pPr marL="457200" lvl="1" indent="0">
               <a:buNone/>
             </a:pPr>
             <a:r>
-              <a:rPr lang="en-US" dirty="0">
-                <a:hlinkClick r:id="rId2"/>
-              </a:rPr>
-              <a:t>http://bowtie-bio.sourceforge.net/bowtie2/index.shtml</a:t>
-            </a:r>
-            <a:endParaRPr lang="en-US" dirty="0"/>
-          </a:p>
-          <a:p>
-            <a:pPr marL="457200"/>
-            <a:r>
-              <a:rPr lang="en-US" dirty="0"/>
-              <a:t>Install all the required software:</a:t>
-            </a:r>
-          </a:p>
-          <a:p>
-            <a:pPr lvl="1"/>
-            <a:r>
-              <a:rPr lang="en-US" dirty="0"/>
-              <a:t>Bowtie2: </a:t>
-            </a:r>
-            <a:r>
-              <a:rPr lang="en-US" dirty="0">
-                <a:hlinkClick r:id="rId2"/>
-              </a:rPr>
-              <a:t>http://bowtie-bio.sourceforge.net/bowtie2/index.shtml</a:t>
-            </a:r>
-            <a:endParaRPr lang="en-US" dirty="0"/>
-          </a:p>
-          <a:p>
-            <a:pPr lvl="1"/>
-            <a:r>
-              <a:rPr lang="en-US" dirty="0" err="1"/>
-              <a:t>Samtools</a:t>
-            </a:r>
-            <a:r>
-              <a:rPr lang="en-US" dirty="0"/>
-              <a:t>: </a:t>
-            </a:r>
-            <a:r>
-              <a:rPr lang="en-US" dirty="0">
-                <a:hlinkClick r:id="rId3"/>
-              </a:rPr>
-              <a:t>http://samtools.sourceforge.net/</a:t>
-            </a:r>
-            <a:r>
-              <a:rPr lang="en-US" dirty="0"/>
+              <a:rPr lang="en-US" sz="2000" i="1" dirty="0" err="1"/>
+              <a:t>conda</a:t>
+            </a:r>
+            <a:r>
+              <a:rPr lang="en-US" sz="2000" i="1" dirty="0"/>
               <a:t> </a:t>
             </a:r>
-          </a:p>
-          <a:p>
-            <a:pPr lvl="1"/>
-            <a:r>
-              <a:rPr lang="en-US" dirty="0" err="1"/>
-              <a:t>Bedtools</a:t>
-            </a:r>
-            <a:r>
-              <a:rPr lang="en-US" dirty="0"/>
-              <a:t>: </a:t>
-            </a:r>
-            <a:r>
-              <a:rPr lang="en-US" dirty="0">
-                <a:hlinkClick r:id="rId4"/>
-              </a:rPr>
-              <a:t>https://bedtools.readthedocs.io/en/latest/</a:t>
-            </a:r>
-            <a:r>
-              <a:rPr lang="en-US" dirty="0"/>
-              <a:t> </a:t>
-            </a:r>
-          </a:p>
-          <a:p>
-            <a:pPr lvl="1"/>
-            <a:r>
-              <a:rPr lang="en-US" dirty="0" err="1"/>
-              <a:t>Trimmomatic</a:t>
-            </a:r>
-            <a:r>
-              <a:rPr lang="en-US" dirty="0"/>
-              <a:t>: </a:t>
-            </a:r>
-            <a:r>
-              <a:rPr lang="en-US" dirty="0">
-                <a:hlinkClick r:id="rId5"/>
-              </a:rPr>
-              <a:t>http://www.usadellab.org/cms/?page=trimmomatic</a:t>
-            </a:r>
-            <a:r>
-              <a:rPr lang="en-US" dirty="0"/>
-              <a:t> </a:t>
-            </a:r>
-          </a:p>
-          <a:p>
-            <a:pPr lvl="1"/>
-            <a:r>
-              <a:rPr lang="en-US" dirty="0"/>
-              <a:t>MetaPhlAn2: </a:t>
-            </a:r>
-            <a:r>
-              <a:rPr lang="en-US" dirty="0">
-                <a:hlinkClick r:id="rId6"/>
-              </a:rPr>
-              <a:t>https://bitbucket.org/biobakery/metaphlan2</a:t>
-            </a:r>
-            <a:endParaRPr lang="en-US" dirty="0"/>
-          </a:p>
-          <a:p>
-            <a:r>
-              <a:rPr lang="en-US" dirty="0"/>
-              <a:t>All files and </a:t>
-            </a:r>
-            <a:r>
-              <a:rPr lang="en-US" dirty="0" err="1"/>
-              <a:t>softwares</a:t>
-            </a:r>
-            <a:r>
-              <a:rPr lang="en-US" dirty="0"/>
-              <a:t> are available in UPPMAX, except MetaPhlAn2</a:t>
-            </a:r>
+            <a:r>
+              <a:rPr lang="en-US" sz="2000" i="1" dirty="0" err="1"/>
+              <a:t>env</a:t>
+            </a:r>
+            <a:r>
+              <a:rPr lang="en-US" sz="2000" i="1" dirty="0"/>
+              <a:t> create -n metagenomics -f </a:t>
+            </a:r>
+            <a:r>
+              <a:rPr lang="en-US" sz="2000" i="1" dirty="0" err="1"/>
+              <a:t>environment.yml</a:t>
+            </a:r>
+            <a:endParaRPr lang="en-US" sz="2000" i="1" dirty="0"/>
+          </a:p>
+          <a:p>
+            <a:pPr marL="400050"/>
+            <a:r>
+              <a:rPr lang="en-US" sz="2200" dirty="0" err="1"/>
+              <a:t>environment.yml</a:t>
+            </a:r>
+            <a:r>
+              <a:rPr lang="en-US" sz="2200" dirty="0"/>
+              <a:t>:</a:t>
+            </a:r>
+          </a:p>
+          <a:p>
+            <a:pPr marL="57150" indent="0">
+              <a:buNone/>
+            </a:pPr>
+            <a:endParaRPr lang="en-US" sz="2200" dirty="0"/>
           </a:p>
         </p:txBody>
       </p:sp>
@@ -4989,7 +5231,7 @@
           <p:cNvPr id="4" name="Slide Number Placeholder 3">
             <a:extLst>
               <a:ext uri="{FF2B5EF4-FFF2-40B4-BE49-F238E27FC236}">
-                <a16:creationId xmlns:a16="http://schemas.microsoft.com/office/drawing/2014/main" id="{8C7AC671-F135-0846-BBC0-D414F98B5E27}"/>
+                <a16:creationId xmlns:a16="http://schemas.microsoft.com/office/drawing/2014/main" id="{3BD0ECA4-0492-6741-96B2-CD047180C2B2}"/>
               </a:ext>
             </a:extLst>
           </p:cNvPr>
@@ -5014,10 +5256,325 @@
           </a:p>
         </p:txBody>
       </p:sp>
+      <p:sp>
+        <p:nvSpPr>
+          <p:cNvPr id="5" name="TextBox 4">
+            <a:extLst>
+              <a:ext uri="{FF2B5EF4-FFF2-40B4-BE49-F238E27FC236}">
+                <a16:creationId xmlns:a16="http://schemas.microsoft.com/office/drawing/2014/main" id="{06D091E8-1C18-FD48-8E02-53A7972ABECE}"/>
+              </a:ext>
+            </a:extLst>
+          </p:cNvPr>
+          <p:cNvSpPr txBox="1"/>
+          <p:nvPr/>
+        </p:nvSpPr>
+        <p:spPr>
+          <a:xfrm>
+            <a:off x="899592" y="3717032"/>
+            <a:ext cx="1511442" cy="2400657"/>
+          </a:xfrm>
+          <a:prstGeom prst="rect">
+            <a:avLst/>
+          </a:prstGeom>
+          <a:noFill/>
+        </p:spPr>
+        <p:txBody>
+          <a:bodyPr wrap="square" rtlCol="0">
+            <a:spAutoFit/>
+          </a:bodyPr>
+          <a:lstStyle/>
+          <a:p>
+            <a:r>
+              <a:rPr lang="en-US" sz="1200" dirty="0">
+                <a:solidFill>
+                  <a:schemeClr val="tx1">
+                    <a:lumMod val="65000"/>
+                    <a:lumOff val="35000"/>
+                  </a:schemeClr>
+                </a:solidFill>
+                <a:latin typeface="Century Gothic" pitchFamily="34" charset="0"/>
+              </a:rPr>
+              <a:t>channels:</a:t>
+            </a:r>
+          </a:p>
+          <a:p>
+            <a:r>
+              <a:rPr lang="en-US" sz="1200" dirty="0">
+                <a:solidFill>
+                  <a:schemeClr val="tx1">
+                    <a:lumMod val="65000"/>
+                    <a:lumOff val="35000"/>
+                  </a:schemeClr>
+                </a:solidFill>
+                <a:latin typeface="Century Gothic" pitchFamily="34" charset="0"/>
+              </a:rPr>
+              <a:t>- </a:t>
+            </a:r>
+            <a:r>
+              <a:rPr lang="en-US" sz="1200" dirty="0" err="1">
+                <a:solidFill>
+                  <a:schemeClr val="tx1">
+                    <a:lumMod val="65000"/>
+                    <a:lumOff val="35000"/>
+                  </a:schemeClr>
+                </a:solidFill>
+                <a:latin typeface="Century Gothic" pitchFamily="34" charset="0"/>
+              </a:rPr>
+              <a:t>conda</a:t>
+            </a:r>
+            <a:r>
+              <a:rPr lang="en-US" sz="1200" dirty="0">
+                <a:solidFill>
+                  <a:schemeClr val="tx1">
+                    <a:lumMod val="65000"/>
+                    <a:lumOff val="35000"/>
+                  </a:schemeClr>
+                </a:solidFill>
+                <a:latin typeface="Century Gothic" pitchFamily="34" charset="0"/>
+              </a:rPr>
+              <a:t>-forge</a:t>
+            </a:r>
+          </a:p>
+          <a:p>
+            <a:r>
+              <a:rPr lang="en-US" sz="1200" dirty="0">
+                <a:solidFill>
+                  <a:schemeClr val="tx1">
+                    <a:lumMod val="65000"/>
+                    <a:lumOff val="35000"/>
+                  </a:schemeClr>
+                </a:solidFill>
+                <a:latin typeface="Century Gothic" pitchFamily="34" charset="0"/>
+              </a:rPr>
+              <a:t>- </a:t>
+            </a:r>
+            <a:r>
+              <a:rPr lang="en-US" sz="1200" dirty="0" err="1">
+                <a:solidFill>
+                  <a:schemeClr val="tx1">
+                    <a:lumMod val="65000"/>
+                    <a:lumOff val="35000"/>
+                  </a:schemeClr>
+                </a:solidFill>
+                <a:latin typeface="Century Gothic" pitchFamily="34" charset="0"/>
+              </a:rPr>
+              <a:t>bioconda</a:t>
+            </a:r>
+            <a:endParaRPr lang="en-US" sz="1200" dirty="0">
+              <a:solidFill>
+                <a:schemeClr val="tx1">
+                  <a:lumMod val="65000"/>
+                  <a:lumOff val="35000"/>
+                </a:schemeClr>
+              </a:solidFill>
+              <a:latin typeface="Century Gothic" pitchFamily="34" charset="0"/>
+            </a:endParaRPr>
+          </a:p>
+          <a:p>
+            <a:r>
+              <a:rPr lang="en-US" sz="1200" dirty="0">
+                <a:solidFill>
+                  <a:schemeClr val="tx1">
+                    <a:lumMod val="65000"/>
+                    <a:lumOff val="35000"/>
+                  </a:schemeClr>
+                </a:solidFill>
+                <a:latin typeface="Century Gothic" pitchFamily="34" charset="0"/>
+              </a:rPr>
+              <a:t>dependencies:</a:t>
+            </a:r>
+          </a:p>
+          <a:p>
+            <a:r>
+              <a:rPr lang="en-US" sz="1200" dirty="0">
+                <a:solidFill>
+                  <a:schemeClr val="tx1">
+                    <a:lumMod val="65000"/>
+                    <a:lumOff val="35000"/>
+                  </a:schemeClr>
+                </a:solidFill>
+                <a:latin typeface="Century Gothic" pitchFamily="34" charset="0"/>
+              </a:rPr>
+              <a:t>- metaphlan2</a:t>
+            </a:r>
+          </a:p>
+          <a:p>
+            <a:r>
+              <a:rPr lang="en-US" sz="1200" dirty="0">
+                <a:solidFill>
+                  <a:schemeClr val="tx1">
+                    <a:lumMod val="65000"/>
+                    <a:lumOff val="35000"/>
+                  </a:schemeClr>
+                </a:solidFill>
+                <a:latin typeface="Century Gothic" pitchFamily="34" charset="0"/>
+              </a:rPr>
+              <a:t>- bowtie2</a:t>
+            </a:r>
+          </a:p>
+          <a:p>
+            <a:r>
+              <a:rPr lang="en-US" sz="1200" dirty="0">
+                <a:solidFill>
+                  <a:schemeClr val="tx1">
+                    <a:lumMod val="65000"/>
+                    <a:lumOff val="35000"/>
+                  </a:schemeClr>
+                </a:solidFill>
+                <a:latin typeface="Century Gothic" pitchFamily="34" charset="0"/>
+              </a:rPr>
+              <a:t>- </a:t>
+            </a:r>
+            <a:r>
+              <a:rPr lang="en-US" sz="1200" dirty="0" err="1">
+                <a:solidFill>
+                  <a:schemeClr val="tx1">
+                    <a:lumMod val="65000"/>
+                    <a:lumOff val="35000"/>
+                  </a:schemeClr>
+                </a:solidFill>
+                <a:latin typeface="Century Gothic" pitchFamily="34" charset="0"/>
+              </a:rPr>
+              <a:t>trimmomatic</a:t>
+            </a:r>
+            <a:endParaRPr lang="en-US" sz="1200" dirty="0">
+              <a:solidFill>
+                <a:schemeClr val="tx1">
+                  <a:lumMod val="65000"/>
+                  <a:lumOff val="35000"/>
+                </a:schemeClr>
+              </a:solidFill>
+              <a:latin typeface="Century Gothic" pitchFamily="34" charset="0"/>
+            </a:endParaRPr>
+          </a:p>
+          <a:p>
+            <a:r>
+              <a:rPr lang="en-US" sz="1200" dirty="0">
+                <a:solidFill>
+                  <a:schemeClr val="tx1">
+                    <a:lumMod val="65000"/>
+                    <a:lumOff val="35000"/>
+                  </a:schemeClr>
+                </a:solidFill>
+                <a:latin typeface="Century Gothic" pitchFamily="34" charset="0"/>
+              </a:rPr>
+              <a:t>- </a:t>
+            </a:r>
+            <a:r>
+              <a:rPr lang="en-US" sz="1200" dirty="0" err="1">
+                <a:solidFill>
+                  <a:schemeClr val="tx1">
+                    <a:lumMod val="65000"/>
+                    <a:lumOff val="35000"/>
+                  </a:schemeClr>
+                </a:solidFill>
+                <a:latin typeface="Century Gothic" pitchFamily="34" charset="0"/>
+              </a:rPr>
+              <a:t>samtools</a:t>
+            </a:r>
+            <a:endParaRPr lang="en-US" sz="1200" dirty="0">
+              <a:solidFill>
+                <a:schemeClr val="tx1">
+                  <a:lumMod val="65000"/>
+                  <a:lumOff val="35000"/>
+                </a:schemeClr>
+              </a:solidFill>
+              <a:latin typeface="Century Gothic" pitchFamily="34" charset="0"/>
+            </a:endParaRPr>
+          </a:p>
+          <a:p>
+            <a:r>
+              <a:rPr lang="en-US" sz="1200" dirty="0">
+                <a:solidFill>
+                  <a:schemeClr val="tx1">
+                    <a:lumMod val="65000"/>
+                    <a:lumOff val="35000"/>
+                  </a:schemeClr>
+                </a:solidFill>
+                <a:latin typeface="Century Gothic" pitchFamily="34" charset="0"/>
+              </a:rPr>
+              <a:t>- </a:t>
+            </a:r>
+            <a:r>
+              <a:rPr lang="en-US" sz="1200" dirty="0" err="1">
+                <a:solidFill>
+                  <a:schemeClr val="tx1">
+                    <a:lumMod val="65000"/>
+                    <a:lumOff val="35000"/>
+                  </a:schemeClr>
+                </a:solidFill>
+                <a:latin typeface="Century Gothic" pitchFamily="34" charset="0"/>
+              </a:rPr>
+              <a:t>bedtools</a:t>
+            </a:r>
+            <a:endParaRPr lang="en-US" sz="1200" dirty="0">
+              <a:solidFill>
+                <a:schemeClr val="tx1">
+                  <a:lumMod val="65000"/>
+                  <a:lumOff val="35000"/>
+                </a:schemeClr>
+              </a:solidFill>
+              <a:latin typeface="Century Gothic" pitchFamily="34" charset="0"/>
+            </a:endParaRPr>
+          </a:p>
+          <a:p>
+            <a:r>
+              <a:rPr lang="en-US" sz="1200" dirty="0">
+                <a:solidFill>
+                  <a:schemeClr val="tx1">
+                    <a:lumMod val="65000"/>
+                    <a:lumOff val="35000"/>
+                  </a:schemeClr>
+                </a:solidFill>
+                <a:latin typeface="Century Gothic" pitchFamily="34" charset="0"/>
+              </a:rPr>
+              <a:t>- </a:t>
+            </a:r>
+            <a:r>
+              <a:rPr lang="en-US" sz="1200" dirty="0" err="1">
+                <a:solidFill>
+                  <a:schemeClr val="tx1">
+                    <a:lumMod val="65000"/>
+                    <a:lumOff val="35000"/>
+                  </a:schemeClr>
+                </a:solidFill>
+                <a:latin typeface="Century Gothic" pitchFamily="34" charset="0"/>
+              </a:rPr>
+              <a:t>graphlan</a:t>
+            </a:r>
+            <a:endParaRPr lang="en-US" sz="1200" dirty="0">
+              <a:solidFill>
+                <a:schemeClr val="tx1">
+                  <a:lumMod val="65000"/>
+                  <a:lumOff val="35000"/>
+                </a:schemeClr>
+              </a:solidFill>
+              <a:latin typeface="Century Gothic" pitchFamily="34" charset="0"/>
+            </a:endParaRPr>
+          </a:p>
+          <a:p>
+            <a:r>
+              <a:rPr lang="en-US" sz="1200" dirty="0">
+                <a:solidFill>
+                  <a:schemeClr val="tx1">
+                    <a:lumMod val="65000"/>
+                    <a:lumOff val="35000"/>
+                  </a:schemeClr>
+                </a:solidFill>
+                <a:latin typeface="Century Gothic" pitchFamily="34" charset="0"/>
+              </a:rPr>
+              <a:t>- hclust2</a:t>
+            </a:r>
+          </a:p>
+          <a:p>
+            <a:endParaRPr lang="en-US" dirty="0"/>
+          </a:p>
+        </p:txBody>
+      </p:sp>
     </p:spTree>
     <p:extLst>
       <p:ext uri="{BB962C8B-B14F-4D97-AF65-F5344CB8AC3E}">
-        <p14:creationId xmlns:p14="http://schemas.microsoft.com/office/powerpoint/2010/main" val="2463694041"/>
+        <p14:creationId xmlns:p14="http://schemas.microsoft.com/office/powerpoint/2010/main" val="1926482064"/>
       </p:ext>
     </p:extLst>
   </p:cSld>
@@ -5049,7 +5606,7 @@
           <p:cNvPr id="2" name="Title 1">
             <a:extLst>
               <a:ext uri="{FF2B5EF4-FFF2-40B4-BE49-F238E27FC236}">
-                <a16:creationId xmlns:a16="http://schemas.microsoft.com/office/drawing/2014/main" id="{B2D50079-8BE0-EA44-8A8E-8063C7CD388D}"/>
+                <a16:creationId xmlns:a16="http://schemas.microsoft.com/office/drawing/2014/main" id="{935AEAFE-EE2B-B342-A63D-28C8D5A10AD4}"/>
               </a:ext>
             </a:extLst>
           </p:cNvPr>
@@ -5067,7 +5624,7 @@
           <a:p>
             <a:r>
               <a:rPr lang="en-US" dirty="0"/>
-              <a:t>Step 1: Alignment of the Sequences</a:t>
+              <a:t>UPPMAX</a:t>
             </a:r>
           </a:p>
         </p:txBody>
@@ -5077,7 +5634,7 @@
           <p:cNvPr id="3" name="Content Placeholder 2">
             <a:extLst>
               <a:ext uri="{FF2B5EF4-FFF2-40B4-BE49-F238E27FC236}">
-                <a16:creationId xmlns:a16="http://schemas.microsoft.com/office/drawing/2014/main" id="{51400029-82B2-8442-B9FE-5F83924C43F3}"/>
+                <a16:creationId xmlns:a16="http://schemas.microsoft.com/office/drawing/2014/main" id="{1D2491B1-66BD-804C-879A-829F583591EA}"/>
               </a:ext>
             </a:extLst>
           </p:cNvPr>
@@ -5088,136 +5645,181 @@
             <p:ph idx="1"/>
           </p:nvPr>
         </p:nvSpPr>
-        <p:spPr/>
-        <p:txBody>
-          <a:bodyPr/>
-          <a:lstStyle/>
-          <a:p>
-            <a:r>
-              <a:rPr lang="en-US" dirty="0"/>
-              <a:t>Tool: Bowtie2</a:t>
-            </a:r>
-          </a:p>
-          <a:p>
-            <a:r>
-              <a:rPr lang="en-US" dirty="0"/>
-              <a:t>Command:</a:t>
-            </a:r>
-          </a:p>
-          <a:p>
-            <a:pPr marL="457200" lvl="1" indent="0">
+        <p:spPr>
+          <a:xfrm>
+            <a:off x="457200" y="1268760"/>
+            <a:ext cx="8291264" cy="4896544"/>
+          </a:xfrm>
+        </p:spPr>
+        <p:txBody>
+          <a:bodyPr>
+            <a:normAutofit/>
+          </a:bodyPr>
+          <a:lstStyle/>
+          <a:p>
+            <a:pPr marL="0" indent="0">
               <a:buNone/>
             </a:pPr>
             <a:r>
-              <a:rPr lang="en-US" i="1" dirty="0"/>
-              <a:t>bowtie2 –x </a:t>
-            </a:r>
-            <a:r>
-              <a:rPr lang="en-US" i="1" dirty="0" err="1"/>
-              <a:t>indexFolder</a:t>
-            </a:r>
-            <a:r>
-              <a:rPr lang="en-US" i="1" dirty="0"/>
-              <a:t> </a:t>
-            </a:r>
-          </a:p>
-          <a:p>
-            <a:pPr marL="457200" lvl="1" indent="0">
+              <a:rPr lang="en-US" sz="1800" b="1" dirty="0"/>
+              <a:t>Connect to interactive mode</a:t>
+            </a:r>
+          </a:p>
+          <a:p>
+            <a:pPr marL="0" indent="0">
               <a:buNone/>
             </a:pPr>
             <a:r>
-              <a:rPr lang="en-US" i="1" dirty="0"/>
-              <a:t>	-1 file_R1.fastq.gz</a:t>
-            </a:r>
-          </a:p>
-          <a:p>
-            <a:pPr marL="457200" lvl="1" indent="0">
+              <a:rPr lang="en-US" sz="1800" dirty="0"/>
+              <a:t>interactive -A g2018024 -p core -n 2 -t 03:00:00 -J </a:t>
+            </a:r>
+            <a:r>
+              <a:rPr lang="en-US" sz="1800" dirty="0" err="1"/>
+              <a:t>any.name</a:t>
+            </a:r>
+            <a:r>
+              <a:rPr lang="en-US" sz="1800" dirty="0"/>
+              <a:t> --mail-user </a:t>
+            </a:r>
+            <a:r>
+              <a:rPr lang="en-US" sz="1800" dirty="0" err="1"/>
+              <a:t>your_email</a:t>
+            </a:r>
+            <a:r>
+              <a:rPr lang="en-US" sz="1800" dirty="0"/>
+              <a:t> --mail-type=ALL</a:t>
+            </a:r>
+          </a:p>
+          <a:p>
+            <a:pPr marL="0" indent="0">
               <a:buNone/>
             </a:pPr>
-            <a:r>
-              <a:rPr lang="en-US" i="1" dirty="0"/>
-              <a:t>	-2 file_R2.fastq.gz</a:t>
-            </a:r>
-          </a:p>
-          <a:p>
-            <a:pPr marL="457200" lvl="1" indent="0">
+            <a:endParaRPr lang="en-US" sz="1800" dirty="0"/>
+          </a:p>
+          <a:p>
+            <a:pPr marL="0" indent="0">
               <a:buNone/>
             </a:pPr>
             <a:r>
-              <a:rPr lang="en-US" i="1" dirty="0"/>
-              <a:t>	–p </a:t>
-            </a:r>
-            <a:r>
-              <a:rPr lang="en-US" i="1" dirty="0" err="1"/>
-              <a:t>coreNum</a:t>
-            </a:r>
-            <a:endParaRPr lang="en-US" i="1" dirty="0"/>
-          </a:p>
-          <a:p>
-            <a:pPr marL="457200" lvl="1" indent="0">
+              <a:rPr lang="en-US" sz="1800" b="1" dirty="0"/>
+              <a:t>Load these modules:</a:t>
+            </a:r>
+          </a:p>
+          <a:p>
+            <a:pPr marL="0" indent="0">
               <a:buNone/>
             </a:pPr>
             <a:r>
-              <a:rPr lang="en-US" i="1" dirty="0"/>
-              <a:t>	–S </a:t>
-            </a:r>
-            <a:r>
-              <a:rPr lang="en-US" i="1" dirty="0" err="1"/>
-              <a:t>output.sam</a:t>
-            </a:r>
-            <a:endParaRPr lang="en-US" i="1" dirty="0"/>
-          </a:p>
-          <a:p>
-            <a:pPr marL="400050"/>
-            <a:r>
-              <a:rPr lang="en-US" dirty="0"/>
-              <a:t>Options:</a:t>
-            </a:r>
-          </a:p>
-          <a:p>
-            <a:pPr marL="800100" lvl="1">
-              <a:buFont typeface="Courier New" panose="02070309020205020404" pitchFamily="49" charset="0"/>
-              <a:buChar char="o"/>
+              <a:rPr lang="en-US" sz="1800" dirty="0"/>
+              <a:t>module load </a:t>
+            </a:r>
+            <a:r>
+              <a:rPr lang="en-US" sz="1800" dirty="0" err="1"/>
+              <a:t>bioinfo</a:t>
+            </a:r>
+            <a:r>
+              <a:rPr lang="en-US" sz="1800" dirty="0"/>
+              <a:t>-tools</a:t>
+            </a:r>
+          </a:p>
+          <a:p>
+            <a:pPr marL="0" indent="0">
+              <a:buNone/>
             </a:pPr>
             <a:r>
-              <a:rPr lang="en-US" dirty="0"/>
-              <a:t>-x: pinpoint your index folder</a:t>
-            </a:r>
-          </a:p>
-          <a:p>
-            <a:pPr marL="800100" lvl="1">
-              <a:buFont typeface="Courier New" panose="02070309020205020404" pitchFamily="49" charset="0"/>
-              <a:buChar char="o"/>
+              <a:rPr lang="en-US" sz="1800" dirty="0"/>
+              <a:t>module load bowtie2</a:t>
+            </a:r>
+          </a:p>
+          <a:p>
+            <a:pPr marL="0" indent="0">
+              <a:buNone/>
             </a:pPr>
             <a:r>
-              <a:rPr lang="en-US" dirty="0"/>
-              <a:t>-1/-2: first/second pair file</a:t>
-            </a:r>
-          </a:p>
-          <a:p>
-            <a:pPr marL="800100" lvl="1">
-              <a:buFont typeface="Courier New" panose="02070309020205020404" pitchFamily="49" charset="0"/>
-              <a:buChar char="o"/>
+              <a:rPr lang="en-US" sz="1800" dirty="0"/>
+              <a:t>module load </a:t>
+            </a:r>
+            <a:r>
+              <a:rPr lang="en-US" sz="1800" dirty="0" err="1"/>
+              <a:t>BEDTools</a:t>
+            </a:r>
+            <a:endParaRPr lang="en-US" sz="1800" dirty="0"/>
+          </a:p>
+          <a:p>
+            <a:pPr marL="0" indent="0">
+              <a:buNone/>
             </a:pPr>
             <a:r>
-              <a:rPr lang="en-US" dirty="0"/>
-              <a:t>-p: number of parallel cores (optional)</a:t>
-            </a:r>
-          </a:p>
-          <a:p>
-            <a:pPr marL="800100" lvl="1">
-              <a:buFont typeface="Courier New" panose="02070309020205020404" pitchFamily="49" charset="0"/>
-              <a:buChar char="o"/>
+              <a:rPr lang="en-US" sz="1800" dirty="0"/>
+              <a:t>module load </a:t>
+            </a:r>
+            <a:r>
+              <a:rPr lang="en-US" sz="1800" dirty="0" err="1"/>
+              <a:t>samtools</a:t>
+            </a:r>
+            <a:endParaRPr lang="en-US" sz="1800" dirty="0"/>
+          </a:p>
+          <a:p>
+            <a:pPr marL="0" indent="0">
+              <a:buNone/>
             </a:pPr>
             <a:r>
-              <a:rPr lang="en-US" dirty="0"/>
-              <a:t>-S: generating the alignment output as </a:t>
-            </a:r>
-            <a:r>
-              <a:rPr lang="en-US" dirty="0" err="1"/>
-              <a:t>samfile</a:t>
-            </a:r>
-            <a:endParaRPr lang="en-US" dirty="0"/>
+              <a:rPr lang="en-US" sz="1800" dirty="0"/>
+              <a:t>module load </a:t>
+            </a:r>
+            <a:r>
+              <a:rPr lang="en-US" sz="1800" dirty="0" err="1"/>
+              <a:t>trimmomatic</a:t>
+            </a:r>
+            <a:endParaRPr lang="en-US" sz="1800" dirty="0"/>
+          </a:p>
+          <a:p>
+            <a:pPr marL="0" indent="0">
+              <a:buNone/>
+            </a:pPr>
+            <a:endParaRPr lang="en-US" sz="1800" dirty="0"/>
+          </a:p>
+          <a:p>
+            <a:pPr marL="0" indent="0">
+              <a:buNone/>
+            </a:pPr>
+            <a:r>
+              <a:rPr lang="en-US" sz="1800" b="1" dirty="0"/>
+              <a:t>Folder of Data:</a:t>
+            </a:r>
+          </a:p>
+          <a:p>
+            <a:pPr marL="0" indent="0">
+              <a:buNone/>
+            </a:pPr>
+            <a:r>
+              <a:rPr lang="en-US" sz="1800" dirty="0"/>
+              <a:t>/</a:t>
+            </a:r>
+            <a:r>
+              <a:rPr lang="en-US" sz="1800" dirty="0" err="1"/>
+              <a:t>proj</a:t>
+            </a:r>
+            <a:r>
+              <a:rPr lang="en-US" sz="1800" dirty="0"/>
+              <a:t>/g2018024/</a:t>
+            </a:r>
+            <a:r>
+              <a:rPr lang="en-US" sz="1800" dirty="0" err="1"/>
+              <a:t>nobackup</a:t>
+            </a:r>
+            <a:r>
+              <a:rPr lang="en-US" sz="1800" dirty="0"/>
+              <a:t>/</a:t>
+            </a:r>
+            <a:r>
+              <a:rPr lang="en-US" sz="1800" dirty="0" err="1"/>
+              <a:t>MetagenomicWorkshop</a:t>
+            </a:r>
+            <a:r>
+              <a:rPr lang="en-US" sz="1800" dirty="0"/>
+              <a:t>/</a:t>
+            </a:r>
           </a:p>
         </p:txBody>
       </p:sp>
@@ -5226,7 +5828,7 @@
           <p:cNvPr id="4" name="Slide Number Placeholder 3">
             <a:extLst>
               <a:ext uri="{FF2B5EF4-FFF2-40B4-BE49-F238E27FC236}">
-                <a16:creationId xmlns:a16="http://schemas.microsoft.com/office/drawing/2014/main" id="{D4E7A6B4-8F58-2E49-A5F2-5AB40305E80F}"/>
+                <a16:creationId xmlns:a16="http://schemas.microsoft.com/office/drawing/2014/main" id="{65863F8B-59AA-BD47-89CC-AFD7C1B0CFBC}"/>
               </a:ext>
             </a:extLst>
           </p:cNvPr>
@@ -5254,7 +5856,7 @@
     </p:spTree>
     <p:extLst>
       <p:ext uri="{BB962C8B-B14F-4D97-AF65-F5344CB8AC3E}">
-        <p14:creationId xmlns:p14="http://schemas.microsoft.com/office/powerpoint/2010/main" val="2648061855"/>
+        <p14:creationId xmlns:p14="http://schemas.microsoft.com/office/powerpoint/2010/main" val="2251779620"/>
       </p:ext>
     </p:extLst>
   </p:cSld>
@@ -5286,7 +5888,7 @@
           <p:cNvPr id="2" name="Title 1">
             <a:extLst>
               <a:ext uri="{FF2B5EF4-FFF2-40B4-BE49-F238E27FC236}">
-                <a16:creationId xmlns:a16="http://schemas.microsoft.com/office/drawing/2014/main" id="{F441BDB9-7821-8D40-ACCF-9C0098D54F84}"/>
+                <a16:creationId xmlns:a16="http://schemas.microsoft.com/office/drawing/2014/main" id="{B2D50079-8BE0-EA44-8A8E-8063C7CD388D}"/>
               </a:ext>
             </a:extLst>
           </p:cNvPr>
@@ -5304,7 +5906,7 @@
           <a:p>
             <a:r>
               <a:rPr lang="en-US" dirty="0"/>
-              <a:t>Step 2: Convert Bowtie2 output to FASTQ</a:t>
+              <a:t>Step 1: Alignment of the Sequences</a:t>
             </a:r>
           </a:p>
         </p:txBody>
@@ -5314,7 +5916,7 @@
           <p:cNvPr id="3" name="Content Placeholder 2">
             <a:extLst>
               <a:ext uri="{FF2B5EF4-FFF2-40B4-BE49-F238E27FC236}">
-                <a16:creationId xmlns:a16="http://schemas.microsoft.com/office/drawing/2014/main" id="{0A2F0392-3DBA-6F44-A950-5BDAEC3995C0}"/>
+                <a16:creationId xmlns:a16="http://schemas.microsoft.com/office/drawing/2014/main" id="{51400029-82B2-8442-B9FE-5F83924C43F3}"/>
               </a:ext>
             </a:extLst>
           </p:cNvPr>
@@ -5332,94 +5934,127 @@
           <a:p>
             <a:r>
               <a:rPr lang="en-US" dirty="0"/>
-              <a:t>We have to convert the </a:t>
+              <a:t>Tool: Bowtie2</a:t>
+            </a:r>
+          </a:p>
+          <a:p>
+            <a:r>
+              <a:rPr lang="en-US" dirty="0"/>
+              <a:t>Command:</a:t>
+            </a:r>
+          </a:p>
+          <a:p>
+            <a:pPr marL="457200" lvl="1" indent="0">
+              <a:buNone/>
+            </a:pPr>
+            <a:r>
+              <a:rPr lang="en-US" i="1" dirty="0"/>
+              <a:t>bowtie2 –x </a:t>
+            </a:r>
+            <a:r>
+              <a:rPr lang="en-US" i="1" dirty="0" err="1"/>
+              <a:t>indexFolder</a:t>
+            </a:r>
+            <a:r>
+              <a:rPr lang="en-US" i="1" dirty="0"/>
+              <a:t> </a:t>
+            </a:r>
+          </a:p>
+          <a:p>
+            <a:pPr marL="457200" lvl="1" indent="0">
+              <a:buNone/>
+            </a:pPr>
+            <a:r>
+              <a:rPr lang="en-US" i="1" dirty="0"/>
+              <a:t>	-1 file_R1.fastq.gz</a:t>
+            </a:r>
+          </a:p>
+          <a:p>
+            <a:pPr marL="457200" lvl="1" indent="0">
+              <a:buNone/>
+            </a:pPr>
+            <a:r>
+              <a:rPr lang="en-US" i="1" dirty="0"/>
+              <a:t>	-2 file_R2.fastq.gz</a:t>
+            </a:r>
+          </a:p>
+          <a:p>
+            <a:pPr marL="457200" lvl="1" indent="0">
+              <a:buNone/>
+            </a:pPr>
+            <a:r>
+              <a:rPr lang="en-US" i="1" dirty="0"/>
+              <a:t>	–p </a:t>
+            </a:r>
+            <a:r>
+              <a:rPr lang="en-US" i="1" dirty="0" err="1"/>
+              <a:t>coreNum</a:t>
+            </a:r>
+            <a:endParaRPr lang="en-US" i="1" dirty="0"/>
+          </a:p>
+          <a:p>
+            <a:pPr marL="457200" lvl="1" indent="0">
+              <a:buNone/>
+            </a:pPr>
+            <a:r>
+              <a:rPr lang="en-US" i="1" dirty="0"/>
+              <a:t>	–S </a:t>
+            </a:r>
+            <a:r>
+              <a:rPr lang="en-US" i="1" dirty="0" err="1"/>
+              <a:t>output.sam</a:t>
+            </a:r>
+            <a:endParaRPr lang="en-US" i="1" dirty="0"/>
+          </a:p>
+          <a:p>
+            <a:pPr marL="400050"/>
+            <a:r>
+              <a:rPr lang="en-US" dirty="0"/>
+              <a:t>Options:</a:t>
+            </a:r>
+          </a:p>
+          <a:p>
+            <a:pPr marL="800100" lvl="1">
+              <a:buFont typeface="Courier New" panose="02070309020205020404" pitchFamily="49" charset="0"/>
+              <a:buChar char="o"/>
+            </a:pPr>
+            <a:r>
+              <a:rPr lang="en-US" dirty="0"/>
+              <a:t>-x: pinpoint your index folder</a:t>
+            </a:r>
+          </a:p>
+          <a:p>
+            <a:pPr marL="800100" lvl="1">
+              <a:buFont typeface="Courier New" panose="02070309020205020404" pitchFamily="49" charset="0"/>
+              <a:buChar char="o"/>
+            </a:pPr>
+            <a:r>
+              <a:rPr lang="en-US" dirty="0"/>
+              <a:t>-1/-2: first/second pair file</a:t>
+            </a:r>
+          </a:p>
+          <a:p>
+            <a:pPr marL="800100" lvl="1">
+              <a:buFont typeface="Courier New" panose="02070309020205020404" pitchFamily="49" charset="0"/>
+              <a:buChar char="o"/>
+            </a:pPr>
+            <a:r>
+              <a:rPr lang="en-US" dirty="0"/>
+              <a:t>-p: number of parallel cores (optional)</a:t>
+            </a:r>
+          </a:p>
+          <a:p>
+            <a:pPr marL="800100" lvl="1">
+              <a:buFont typeface="Courier New" panose="02070309020205020404" pitchFamily="49" charset="0"/>
+              <a:buChar char="o"/>
+            </a:pPr>
+            <a:r>
+              <a:rPr lang="en-US" dirty="0"/>
+              <a:t>-S: generating the alignment output as </a:t>
             </a:r>
             <a:r>
               <a:rPr lang="en-US" dirty="0" err="1"/>
               <a:t>samfile</a:t>
-            </a:r>
-            <a:r>
-              <a:rPr lang="en-US" dirty="0"/>
-              <a:t> from bowtie2 to FASTQ</a:t>
-            </a:r>
-          </a:p>
-          <a:p>
-            <a:r>
-              <a:rPr lang="en-US" dirty="0"/>
-              <a:t>Reason: to make it compatible with the quality control tool (</a:t>
-            </a:r>
-            <a:r>
-              <a:rPr lang="en-US" dirty="0" err="1"/>
-              <a:t>Trimmomatic</a:t>
-            </a:r>
-            <a:r>
-              <a:rPr lang="en-US" dirty="0"/>
-              <a:t>)</a:t>
-            </a:r>
-          </a:p>
-          <a:p>
-            <a:r>
-              <a:rPr lang="en-US" dirty="0"/>
-              <a:t>Steps:</a:t>
-            </a:r>
-          </a:p>
-          <a:p>
-            <a:pPr lvl="1"/>
-            <a:r>
-              <a:rPr lang="en-US" dirty="0"/>
-              <a:t>Step 2.1: Convert </a:t>
-            </a:r>
-            <a:r>
-              <a:rPr lang="en-US" dirty="0" err="1"/>
-              <a:t>SAMfile</a:t>
-            </a:r>
-            <a:r>
-              <a:rPr lang="en-US" dirty="0"/>
-              <a:t> to </a:t>
-            </a:r>
-            <a:r>
-              <a:rPr lang="en-US" dirty="0" err="1"/>
-              <a:t>BAMfile</a:t>
-            </a:r>
-            <a:r>
-              <a:rPr lang="en-US" dirty="0"/>
-              <a:t> with </a:t>
-            </a:r>
-            <a:r>
-              <a:rPr lang="en-US" dirty="0" err="1"/>
-              <a:t>samtools</a:t>
-            </a:r>
-            <a:endParaRPr lang="en-US" dirty="0"/>
-          </a:p>
-          <a:p>
-            <a:pPr lvl="1"/>
-            <a:r>
-              <a:rPr lang="en-US" dirty="0"/>
-              <a:t>Step 2.2: Sort </a:t>
-            </a:r>
-            <a:r>
-              <a:rPr lang="en-US" dirty="0" err="1"/>
-              <a:t>BAMfile</a:t>
-            </a:r>
-            <a:endParaRPr lang="en-US" dirty="0"/>
-          </a:p>
-          <a:p>
-            <a:pPr lvl="1"/>
-            <a:r>
-              <a:rPr lang="en-US" dirty="0"/>
-              <a:t>Step 2.3: Convert </a:t>
-            </a:r>
-            <a:r>
-              <a:rPr lang="en-US" dirty="0" err="1"/>
-              <a:t>BAMfile</a:t>
-            </a:r>
-            <a:r>
-              <a:rPr lang="en-US" dirty="0"/>
-              <a:t> to FASTQ with </a:t>
-            </a:r>
-            <a:r>
-              <a:rPr lang="en-US" dirty="0" err="1"/>
-              <a:t>bedtools</a:t>
             </a:r>
             <a:endParaRPr lang="en-US" dirty="0"/>
           </a:p>
@@ -5430,7 +6065,7 @@
           <p:cNvPr id="4" name="Slide Number Placeholder 3">
             <a:extLst>
               <a:ext uri="{FF2B5EF4-FFF2-40B4-BE49-F238E27FC236}">
-                <a16:creationId xmlns:a16="http://schemas.microsoft.com/office/drawing/2014/main" id="{09F3E4B2-4060-CF42-B00C-C4F245A728B4}"/>
+                <a16:creationId xmlns:a16="http://schemas.microsoft.com/office/drawing/2014/main" id="{D4E7A6B4-8F58-2E49-A5F2-5AB40305E80F}"/>
               </a:ext>
             </a:extLst>
           </p:cNvPr>
@@ -5458,7 +6093,7 @@
     </p:spTree>
     <p:extLst>
       <p:ext uri="{BB962C8B-B14F-4D97-AF65-F5344CB8AC3E}">
-        <p14:creationId xmlns:p14="http://schemas.microsoft.com/office/powerpoint/2010/main" val="1450527391"/>
+        <p14:creationId xmlns:p14="http://schemas.microsoft.com/office/powerpoint/2010/main" val="2648061855"/>
       </p:ext>
     </p:extLst>
   </p:cSld>
@@ -5490,7 +6125,7 @@
           <p:cNvPr id="2" name="Title 1">
             <a:extLst>
               <a:ext uri="{FF2B5EF4-FFF2-40B4-BE49-F238E27FC236}">
-                <a16:creationId xmlns:a16="http://schemas.microsoft.com/office/drawing/2014/main" id="{6B00E945-719F-3C43-9EDB-E2B7DA74D58D}"/>
+                <a16:creationId xmlns:a16="http://schemas.microsoft.com/office/drawing/2014/main" id="{F441BDB9-7821-8D40-ACCF-9C0098D54F84}"/>
               </a:ext>
             </a:extLst>
           </p:cNvPr>
@@ -5508,15 +6143,8 @@
           <a:p>
             <a:r>
               <a:rPr lang="en-US" dirty="0"/>
-              <a:t>Step2.1: SAM </a:t>
-            </a:r>
-            <a:r>
-              <a:rPr lang="en-US" dirty="0">
-                <a:sym typeface="Wingdings" pitchFamily="2" charset="2"/>
-              </a:rPr>
-              <a:t> BAM  Sorted BAM</a:t>
-            </a:r>
-            <a:endParaRPr lang="en-US" dirty="0"/>
+              <a:t>Step 2: Convert Bowtie2 output to FASTQ</a:t>
+            </a:r>
           </a:p>
         </p:txBody>
       </p:sp>
@@ -5525,7 +6153,7 @@
           <p:cNvPr id="3" name="Content Placeholder 2">
             <a:extLst>
               <a:ext uri="{FF2B5EF4-FFF2-40B4-BE49-F238E27FC236}">
-                <a16:creationId xmlns:a16="http://schemas.microsoft.com/office/drawing/2014/main" id="{42A73A25-7A86-084B-860E-4E61619D0D48}"/>
+                <a16:creationId xmlns:a16="http://schemas.microsoft.com/office/drawing/2014/main" id="{0A2F0392-3DBA-6F44-A950-5BDAEC3995C0}"/>
               </a:ext>
             </a:extLst>
           </p:cNvPr>
@@ -5543,67 +6171,7 @@
           <a:p>
             <a:r>
               <a:rPr lang="en-US" dirty="0"/>
-              <a:t>Command:</a:t>
-            </a:r>
-          </a:p>
-          <a:p>
-            <a:pPr marL="457200" lvl="1" indent="0">
-              <a:buNone/>
-            </a:pPr>
-            <a:r>
-              <a:rPr lang="en-US" i="1" dirty="0" err="1"/>
-              <a:t>samtools</a:t>
-            </a:r>
-            <a:r>
-              <a:rPr lang="en-US" i="1" dirty="0"/>
-              <a:t> view -</a:t>
-            </a:r>
-            <a:r>
-              <a:rPr lang="en-US" i="1" dirty="0" err="1"/>
-              <a:t>bS</a:t>
-            </a:r>
-            <a:r>
-              <a:rPr lang="en-US" i="1" dirty="0"/>
-              <a:t> {</a:t>
-            </a:r>
-            <a:r>
-              <a:rPr lang="en-US" i="1" dirty="0" err="1"/>
-              <a:t>samfile</a:t>
-            </a:r>
-            <a:r>
-              <a:rPr lang="en-US" i="1" dirty="0"/>
-              <a:t>} | </a:t>
-            </a:r>
-            <a:r>
-              <a:rPr lang="en-US" i="1" dirty="0" err="1"/>
-              <a:t>samtools</a:t>
-            </a:r>
-            <a:r>
-              <a:rPr lang="en-US" i="1" dirty="0"/>
-              <a:t> view -b -f 12 -F 256 -@ {</a:t>
-            </a:r>
-            <a:r>
-              <a:rPr lang="en-US" i="1" dirty="0" err="1"/>
-              <a:t>coreNum</a:t>
-            </a:r>
-            <a:r>
-              <a:rPr lang="en-US" i="1" dirty="0"/>
-              <a:t>} - &gt; {</a:t>
-            </a:r>
-            <a:r>
-              <a:rPr lang="en-US" i="1" dirty="0" err="1"/>
-              <a:t>bamfile</a:t>
-            </a:r>
-            <a:r>
-              <a:rPr lang="en-US" i="1" dirty="0"/>
-              <a:t>}</a:t>
-            </a:r>
-          </a:p>
-          <a:p>
-            <a:pPr marL="800100" lvl="1"/>
-            <a:r>
-              <a:rPr lang="en-US" dirty="0"/>
-              <a:t>Input: {</a:t>
+              <a:t>We have to convert the </a:t>
             </a:r>
             <a:r>
               <a:rPr lang="en-US" dirty="0" err="1"/>
@@ -5611,38 +6179,88 @@
             </a:r>
             <a:r>
               <a:rPr lang="en-US" dirty="0"/>
-              <a:t>} from Step 1</a:t>
-            </a:r>
-          </a:p>
-          <a:p>
-            <a:pPr marL="800100" lvl="1"/>
-            <a:r>
-              <a:rPr lang="en-US" dirty="0"/>
-              <a:t>Optional argument: {</a:t>
+              <a:t> from bowtie2 to FASTQ</a:t>
+            </a:r>
+          </a:p>
+          <a:p>
+            <a:r>
+              <a:rPr lang="en-US" dirty="0"/>
+              <a:t>Reason: to make it compatible with the quality control tool (</a:t>
             </a:r>
             <a:r>
               <a:rPr lang="en-US" dirty="0" err="1"/>
-              <a:t>coreNum</a:t>
-            </a:r>
-            <a:r>
-              <a:rPr lang="en-US" dirty="0"/>
-              <a:t>} for number of cores</a:t>
-            </a:r>
-          </a:p>
-          <a:p>
-            <a:pPr marL="800100" lvl="1"/>
-            <a:r>
-              <a:rPr lang="en-US" dirty="0"/>
-              <a:t>Output: {</a:t>
+              <a:t>Trimmomatic</a:t>
+            </a:r>
+            <a:r>
+              <a:rPr lang="en-US" dirty="0"/>
+              <a:t>)</a:t>
+            </a:r>
+          </a:p>
+          <a:p>
+            <a:r>
+              <a:rPr lang="en-US" dirty="0"/>
+              <a:t>Steps:</a:t>
+            </a:r>
+          </a:p>
+          <a:p>
+            <a:pPr lvl="1"/>
+            <a:r>
+              <a:rPr lang="en-US" dirty="0"/>
+              <a:t>Step 2.1: Convert </a:t>
             </a:r>
             <a:r>
               <a:rPr lang="en-US" dirty="0" err="1"/>
-              <a:t>bamfile</a:t>
-            </a:r>
-            <a:r>
-              <a:rPr lang="en-US" dirty="0"/>
-              <a:t>}</a:t>
-            </a:r>
+              <a:t>SAMfile</a:t>
+            </a:r>
+            <a:r>
+              <a:rPr lang="en-US" dirty="0"/>
+              <a:t> to </a:t>
+            </a:r>
+            <a:r>
+              <a:rPr lang="en-US" dirty="0" err="1"/>
+              <a:t>BAMfile</a:t>
+            </a:r>
+            <a:r>
+              <a:rPr lang="en-US" dirty="0"/>
+              <a:t> with </a:t>
+            </a:r>
+            <a:r>
+              <a:rPr lang="en-US" dirty="0" err="1"/>
+              <a:t>samtools</a:t>
+            </a:r>
+            <a:endParaRPr lang="en-US" dirty="0"/>
+          </a:p>
+          <a:p>
+            <a:pPr lvl="1"/>
+            <a:r>
+              <a:rPr lang="en-US" dirty="0"/>
+              <a:t>Step 2.2: Sort </a:t>
+            </a:r>
+            <a:r>
+              <a:rPr lang="en-US" dirty="0" err="1"/>
+              <a:t>BAMfile</a:t>
+            </a:r>
+            <a:endParaRPr lang="en-US" dirty="0"/>
+          </a:p>
+          <a:p>
+            <a:pPr lvl="1"/>
+            <a:r>
+              <a:rPr lang="en-US" dirty="0"/>
+              <a:t>Step 2.3: Convert </a:t>
+            </a:r>
+            <a:r>
+              <a:rPr lang="en-US" dirty="0" err="1"/>
+              <a:t>BAMfile</a:t>
+            </a:r>
+            <a:r>
+              <a:rPr lang="en-US" dirty="0"/>
+              <a:t> to FASTQ with </a:t>
+            </a:r>
+            <a:r>
+              <a:rPr lang="en-US" dirty="0" err="1"/>
+              <a:t>bedtools</a:t>
+            </a:r>
+            <a:endParaRPr lang="en-US" dirty="0"/>
           </a:p>
         </p:txBody>
       </p:sp>
@@ -5651,7 +6269,7 @@
           <p:cNvPr id="4" name="Slide Number Placeholder 3">
             <a:extLst>
               <a:ext uri="{FF2B5EF4-FFF2-40B4-BE49-F238E27FC236}">
-                <a16:creationId xmlns:a16="http://schemas.microsoft.com/office/drawing/2014/main" id="{99DF2EFE-6D2C-F74B-B9A8-87E1F60E83BB}"/>
+                <a16:creationId xmlns:a16="http://schemas.microsoft.com/office/drawing/2014/main" id="{09F3E4B2-4060-CF42-B00C-C4F245A728B4}"/>
               </a:ext>
             </a:extLst>
           </p:cNvPr>
@@ -5676,59 +6294,10 @@
           </a:p>
         </p:txBody>
       </p:sp>
-      <p:sp>
-        <p:nvSpPr>
-          <p:cNvPr id="5" name="TextBox 4">
-            <a:extLst>
-              <a:ext uri="{FF2B5EF4-FFF2-40B4-BE49-F238E27FC236}">
-                <a16:creationId xmlns:a16="http://schemas.microsoft.com/office/drawing/2014/main" id="{81823D88-E11D-7949-B3AA-70BCEFFF9577}"/>
-              </a:ext>
-            </a:extLst>
-          </p:cNvPr>
-          <p:cNvSpPr txBox="1"/>
-          <p:nvPr/>
-        </p:nvSpPr>
-        <p:spPr>
-          <a:xfrm>
-            <a:off x="390364" y="3573016"/>
-            <a:ext cx="8363272" cy="954107"/>
-          </a:xfrm>
-          <a:prstGeom prst="rect">
-            <a:avLst/>
-          </a:prstGeom>
-          <a:noFill/>
-        </p:spPr>
-        <p:txBody>
-          <a:bodyPr wrap="square" rtlCol="0">
-            <a:spAutoFit/>
-          </a:bodyPr>
-          <a:lstStyle/>
-          <a:p>
-            <a:r>
-              <a:rPr lang="en-US" sz="2800" b="1" dirty="0">
-                <a:latin typeface="Century Gothic" panose="020B0502020202020204" pitchFamily="34" charset="0"/>
-              </a:rPr>
-              <a:t>Task: Please understand all the options from the command above from </a:t>
-            </a:r>
-            <a:r>
-              <a:rPr lang="en-US" sz="2800" b="1" i="1" dirty="0" err="1">
-                <a:latin typeface="Century Gothic" panose="020B0502020202020204" pitchFamily="34" charset="0"/>
-              </a:rPr>
-              <a:t>samtools</a:t>
-            </a:r>
-            <a:r>
-              <a:rPr lang="en-US" sz="2800" b="1" dirty="0">
-                <a:latin typeface="Century Gothic" panose="020B0502020202020204" pitchFamily="34" charset="0"/>
-              </a:rPr>
-              <a:t> manual</a:t>
-            </a:r>
-          </a:p>
-        </p:txBody>
-      </p:sp>
     </p:spTree>
     <p:extLst>
       <p:ext uri="{BB962C8B-B14F-4D97-AF65-F5344CB8AC3E}">
-        <p14:creationId xmlns:p14="http://schemas.microsoft.com/office/powerpoint/2010/main" val="4027378627"/>
+        <p14:creationId xmlns:p14="http://schemas.microsoft.com/office/powerpoint/2010/main" val="1450527391"/>
       </p:ext>
     </p:extLst>
   </p:cSld>
@@ -5760,7 +6329,7 @@
           <p:cNvPr id="2" name="Title 1">
             <a:extLst>
               <a:ext uri="{FF2B5EF4-FFF2-40B4-BE49-F238E27FC236}">
-                <a16:creationId xmlns:a16="http://schemas.microsoft.com/office/drawing/2014/main" id="{275EBE46-475E-0F40-B1AE-58E0007E0890}"/>
+                <a16:creationId xmlns:a16="http://schemas.microsoft.com/office/drawing/2014/main" id="{6B00E945-719F-3C43-9EDB-E2B7DA74D58D}"/>
               </a:ext>
             </a:extLst>
           </p:cNvPr>
@@ -5778,13 +6347,13 @@
           <a:p>
             <a:r>
               <a:rPr lang="en-US" dirty="0"/>
-              <a:t>Step 2.2 and 2.3: BAM </a:t>
+              <a:t>Step2.1: SAM </a:t>
             </a:r>
             <a:r>
               <a:rPr lang="en-US" dirty="0">
                 <a:sym typeface="Wingdings" pitchFamily="2" charset="2"/>
               </a:rPr>
-              <a:t> Sorted BAM  FASTQ</a:t>
+              <a:t> BAM  Sorted BAM</a:t>
             </a:r>
             <a:endParaRPr lang="en-US" dirty="0"/>
           </a:p>
@@ -5795,7 +6364,7 @@
           <p:cNvPr id="3" name="Content Placeholder 2">
             <a:extLst>
               <a:ext uri="{FF2B5EF4-FFF2-40B4-BE49-F238E27FC236}">
-                <a16:creationId xmlns:a16="http://schemas.microsoft.com/office/drawing/2014/main" id="{7778939D-DF09-5B43-B326-BB77A49C71F1}"/>
+                <a16:creationId xmlns:a16="http://schemas.microsoft.com/office/drawing/2014/main" id="{42A73A25-7A86-084B-860E-4E61619D0D48}"/>
               </a:ext>
             </a:extLst>
           </p:cNvPr>
@@ -5826,7 +6395,39 @@
             </a:r>
             <a:r>
               <a:rPr lang="en-US" i="1" dirty="0"/>
-              <a:t> sort -n {</a:t>
+              <a:t> view -</a:t>
+            </a:r>
+            <a:r>
+              <a:rPr lang="en-US" i="1" dirty="0" err="1"/>
+              <a:t>bS</a:t>
+            </a:r>
+            <a:r>
+              <a:rPr lang="en-US" i="1" dirty="0"/>
+              <a:t> {</a:t>
+            </a:r>
+            <a:r>
+              <a:rPr lang="en-US" i="1" dirty="0" err="1"/>
+              <a:t>samfile</a:t>
+            </a:r>
+            <a:r>
+              <a:rPr lang="en-US" i="1" dirty="0"/>
+              <a:t>} | </a:t>
+            </a:r>
+            <a:r>
+              <a:rPr lang="en-US" i="1" dirty="0" err="1"/>
+              <a:t>samtools</a:t>
+            </a:r>
+            <a:r>
+              <a:rPr lang="en-US" i="1" dirty="0"/>
+              <a:t> view -b -f 12 -F 256 -@ {</a:t>
+            </a:r>
+            <a:r>
+              <a:rPr lang="en-US" i="1" dirty="0" err="1"/>
+              <a:t>coreNum</a:t>
+            </a:r>
+            <a:r>
+              <a:rPr lang="en-US" i="1" dirty="0"/>
+              <a:t>} - &gt; {</a:t>
             </a:r>
             <a:r>
               <a:rPr lang="en-US" i="1" dirty="0" err="1"/>
@@ -5834,54 +6435,44 @@
             </a:r>
             <a:r>
               <a:rPr lang="en-US" i="1" dirty="0"/>
-              <a:t>} -@ {</a:t>
-            </a:r>
-            <a:r>
-              <a:rPr lang="en-US" i="1" dirty="0" err="1"/>
+              <a:t>}</a:t>
+            </a:r>
+          </a:p>
+          <a:p>
+            <a:pPr marL="800100" lvl="1"/>
+            <a:r>
+              <a:rPr lang="en-US" dirty="0"/>
+              <a:t>Input: {</a:t>
+            </a:r>
+            <a:r>
+              <a:rPr lang="en-US" dirty="0" err="1"/>
+              <a:t>samfile</a:t>
+            </a:r>
+            <a:r>
+              <a:rPr lang="en-US" dirty="0"/>
+              <a:t>} from Step 1</a:t>
+            </a:r>
+          </a:p>
+          <a:p>
+            <a:pPr marL="800100" lvl="1"/>
+            <a:r>
+              <a:rPr lang="en-US" dirty="0"/>
+              <a:t>Optional argument: {</a:t>
+            </a:r>
+            <a:r>
+              <a:rPr lang="en-US" dirty="0" err="1"/>
               <a:t>coreNum</a:t>
             </a:r>
             <a:r>
-              <a:rPr lang="en-US" i="1" dirty="0"/>
-              <a:t>} | </a:t>
-            </a:r>
-            <a:r>
-              <a:rPr lang="en-US" i="1" dirty="0" err="1"/>
-              <a:t>bedtools</a:t>
-            </a:r>
-            <a:r>
-              <a:rPr lang="en-US" i="1" dirty="0"/>
-              <a:t> </a:t>
-            </a:r>
-            <a:r>
-              <a:rPr lang="en-US" i="1" dirty="0" err="1"/>
-              <a:t>bamtofastq</a:t>
-            </a:r>
-            <a:r>
-              <a:rPr lang="en-US" i="1" dirty="0"/>
-              <a:t> -</a:t>
-            </a:r>
-            <a:r>
-              <a:rPr lang="en-US" i="1" dirty="0" err="1"/>
-              <a:t>i</a:t>
-            </a:r>
-            <a:r>
-              <a:rPr lang="en-US" i="1" dirty="0"/>
-              <a:t> - -</a:t>
-            </a:r>
-            <a:r>
-              <a:rPr lang="en-US" i="1" dirty="0" err="1"/>
-              <a:t>fq</a:t>
-            </a:r>
-            <a:r>
-              <a:rPr lang="en-US" i="1" dirty="0"/>
-              <a:t> {filtered_R1.fastq} -fq2 {filtered_R2.fastq} </a:t>
-            </a:r>
-          </a:p>
-          <a:p>
-            <a:pPr lvl="1"/>
-            <a:r>
-              <a:rPr lang="en-US" dirty="0"/>
-              <a:t>Input: {</a:t>
+              <a:rPr lang="en-US" dirty="0"/>
+              <a:t>} for number of cores</a:t>
+            </a:r>
+          </a:p>
+          <a:p>
+            <a:pPr marL="800100" lvl="1"/>
+            <a:r>
+              <a:rPr lang="en-US" dirty="0"/>
+              <a:t>Output: {</a:t>
             </a:r>
             <a:r>
               <a:rPr lang="en-US" dirty="0" err="1"/>
@@ -5889,36 +6480,8 @@
             </a:r>
             <a:r>
               <a:rPr lang="en-US" dirty="0"/>
-              <a:t>} from Step 2.1</a:t>
-            </a:r>
-          </a:p>
-          <a:p>
-            <a:pPr lvl="1"/>
-            <a:r>
-              <a:rPr lang="en-US" dirty="0"/>
-              <a:t>Optional argument: {</a:t>
-            </a:r>
-            <a:r>
-              <a:rPr lang="en-US" dirty="0" err="1"/>
-              <a:t>coreNum</a:t>
-            </a:r>
-            <a:r>
-              <a:rPr lang="en-US" dirty="0"/>
               <a:t>}</a:t>
             </a:r>
-          </a:p>
-          <a:p>
-            <a:pPr lvl="1"/>
-            <a:r>
-              <a:rPr lang="en-US" dirty="0"/>
-              <a:t>Outputs: {filtered_R1/R2.fastq}</a:t>
-            </a:r>
-          </a:p>
-          <a:p>
-            <a:pPr marL="457200" lvl="1" indent="0">
-              <a:buNone/>
-            </a:pPr>
-            <a:endParaRPr lang="en-US" dirty="0"/>
           </a:p>
         </p:txBody>
       </p:sp>
@@ -5927,7 +6490,7 @@
           <p:cNvPr id="4" name="Slide Number Placeholder 3">
             <a:extLst>
               <a:ext uri="{FF2B5EF4-FFF2-40B4-BE49-F238E27FC236}">
-                <a16:creationId xmlns:a16="http://schemas.microsoft.com/office/drawing/2014/main" id="{E488B957-24EE-D740-9455-1A08C11134B6}"/>
+                <a16:creationId xmlns:a16="http://schemas.microsoft.com/office/drawing/2014/main" id="{99DF2EFE-6D2C-F74B-B9A8-87E1F60E83BB}"/>
               </a:ext>
             </a:extLst>
           </p:cNvPr>
@@ -5957,7 +6520,7 @@
           <p:cNvPr id="5" name="TextBox 4">
             <a:extLst>
               <a:ext uri="{FF2B5EF4-FFF2-40B4-BE49-F238E27FC236}">
-                <a16:creationId xmlns:a16="http://schemas.microsoft.com/office/drawing/2014/main" id="{E3546013-A0EE-5B49-A363-5DBFD16B601D}"/>
+                <a16:creationId xmlns:a16="http://schemas.microsoft.com/office/drawing/2014/main" id="{81823D88-E11D-7949-B3AA-70BCEFFF9577}"/>
               </a:ext>
             </a:extLst>
           </p:cNvPr>
@@ -5967,7 +6530,7 @@
         <p:spPr>
           <a:xfrm>
             <a:off x="390364" y="3573016"/>
-            <a:ext cx="8363272" cy="1384995"/>
+            <a:ext cx="8363272" cy="954107"/>
           </a:xfrm>
           <a:prstGeom prst="rect">
             <a:avLst/>
@@ -5996,18 +6559,6 @@
               <a:rPr lang="en-US" sz="2800" b="1" dirty="0">
                 <a:latin typeface="Century Gothic" panose="020B0502020202020204" pitchFamily="34" charset="0"/>
               </a:rPr>
-              <a:t> and </a:t>
-            </a:r>
-            <a:r>
-              <a:rPr lang="en-US" sz="2800" b="1" i="1" dirty="0" err="1">
-                <a:latin typeface="Century Gothic" panose="020B0502020202020204" pitchFamily="34" charset="0"/>
-              </a:rPr>
-              <a:t>bedtools</a:t>
-            </a:r>
-            <a:r>
-              <a:rPr lang="en-US" sz="2800" b="1" dirty="0">
-                <a:latin typeface="Century Gothic" panose="020B0502020202020204" pitchFamily="34" charset="0"/>
-              </a:rPr>
               <a:t> manual</a:t>
             </a:r>
           </a:p>
@@ -6016,7 +6567,7 @@
     </p:spTree>
     <p:extLst>
       <p:ext uri="{BB962C8B-B14F-4D97-AF65-F5344CB8AC3E}">
-        <p14:creationId xmlns:p14="http://schemas.microsoft.com/office/powerpoint/2010/main" val="1691834584"/>
+        <p14:creationId xmlns:p14="http://schemas.microsoft.com/office/powerpoint/2010/main" val="4027378627"/>
       </p:ext>
     </p:extLst>
   </p:cSld>
@@ -6048,7 +6599,7 @@
           <p:cNvPr id="2" name="Title 1">
             <a:extLst>
               <a:ext uri="{FF2B5EF4-FFF2-40B4-BE49-F238E27FC236}">
-                <a16:creationId xmlns:a16="http://schemas.microsoft.com/office/drawing/2014/main" id="{D68F7381-EA5E-A448-BD9E-1F600EB5F34D}"/>
+                <a16:creationId xmlns:a16="http://schemas.microsoft.com/office/drawing/2014/main" id="{275EBE46-475E-0F40-B1AE-58E0007E0890}"/>
               </a:ext>
             </a:extLst>
           </p:cNvPr>
@@ -6066,8 +6617,15 @@
           <a:p>
             <a:r>
               <a:rPr lang="en-US" dirty="0"/>
-              <a:t>Step 3: Quality Control and Trimming Sequence</a:t>
-            </a:r>
+              <a:t>Step 2.2 and 2.3: BAM </a:t>
+            </a:r>
+            <a:r>
+              <a:rPr lang="en-US" dirty="0">
+                <a:sym typeface="Wingdings" pitchFamily="2" charset="2"/>
+              </a:rPr>
+              <a:t> Sorted BAM  FASTQ</a:t>
+            </a:r>
+            <a:endParaRPr lang="en-US" dirty="0"/>
           </a:p>
         </p:txBody>
       </p:sp>
@@ -6076,7 +6634,7 @@
           <p:cNvPr id="3" name="Content Placeholder 2">
             <a:extLst>
               <a:ext uri="{FF2B5EF4-FFF2-40B4-BE49-F238E27FC236}">
-                <a16:creationId xmlns:a16="http://schemas.microsoft.com/office/drawing/2014/main" id="{AA39CD66-A1D4-BB49-AC89-7E154EAD8233}"/>
+                <a16:creationId xmlns:a16="http://schemas.microsoft.com/office/drawing/2014/main" id="{7778939D-DF09-5B43-B326-BB77A49C71F1}"/>
               </a:ext>
             </a:extLst>
           </p:cNvPr>
@@ -6089,57 +6647,8 @@
         </p:nvSpPr>
         <p:spPr/>
         <p:txBody>
-          <a:bodyPr>
-            <a:normAutofit fontScale="92500"/>
-          </a:bodyPr>
-          <a:lstStyle/>
-          <a:p>
-            <a:r>
-              <a:rPr lang="en-US" dirty="0"/>
-              <a:t>Software: </a:t>
-            </a:r>
-            <a:r>
-              <a:rPr lang="en-US" dirty="0" err="1"/>
-              <a:t>Trimmomatic</a:t>
-            </a:r>
-            <a:endParaRPr lang="en-US" dirty="0"/>
-          </a:p>
-          <a:p>
-            <a:r>
-              <a:rPr lang="en-US" dirty="0"/>
-              <a:t>In </a:t>
-            </a:r>
-            <a:r>
-              <a:rPr lang="en-US" dirty="0" err="1"/>
-              <a:t>Trimmomatic</a:t>
-            </a:r>
-            <a:r>
-              <a:rPr lang="en-US" dirty="0"/>
-              <a:t>, we can control the sequence by putting several criteria. Review the </a:t>
-            </a:r>
-            <a:r>
-              <a:rPr lang="en-US" b="1" dirty="0"/>
-              <a:t>Step Options </a:t>
-            </a:r>
-            <a:r>
-              <a:rPr lang="en-US" dirty="0"/>
-              <a:t>in </a:t>
-            </a:r>
-            <a:r>
-              <a:rPr lang="en-US" dirty="0" err="1"/>
-              <a:t>Trimmomatic</a:t>
-            </a:r>
-            <a:r>
-              <a:rPr lang="en-US" dirty="0"/>
-              <a:t> manual</a:t>
-            </a:r>
-          </a:p>
-          <a:p>
-            <a:r>
-              <a:rPr lang="en-US" dirty="0"/>
-              <a:t>In this course, we will just use the “MINLEN” as our criterion, to drop reads under 60 bases long</a:t>
-            </a:r>
-          </a:p>
+          <a:bodyPr/>
+          <a:lstStyle/>
           <a:p>
             <a:r>
               <a:rPr lang="en-US" dirty="0"/>
@@ -6150,84 +6659,83 @@
             <a:pPr marL="457200" lvl="1" indent="0">
               <a:buNone/>
             </a:pPr>
+            <a:r>
+              <a:rPr lang="en-US" i="1" dirty="0" err="1"/>
+              <a:t>samtools</a:t>
+            </a:r>
+            <a:r>
+              <a:rPr lang="en-US" i="1" dirty="0"/>
+              <a:t> sort -n {</a:t>
+            </a:r>
+            <a:r>
+              <a:rPr lang="en-US" i="1" dirty="0" err="1"/>
+              <a:t>bamfile</a:t>
+            </a:r>
+            <a:r>
+              <a:rPr lang="en-US" i="1" dirty="0"/>
+              <a:t>} -@ {</a:t>
+            </a:r>
+            <a:r>
+              <a:rPr lang="en-US" i="1" dirty="0" err="1"/>
+              <a:t>coreNum</a:t>
+            </a:r>
+            <a:r>
+              <a:rPr lang="en-US" i="1" dirty="0"/>
+              <a:t>} | </a:t>
+            </a:r>
+            <a:r>
+              <a:rPr lang="en-US" i="1" dirty="0" err="1"/>
+              <a:t>bedtools</a:t>
+            </a:r>
             <a:r>
               <a:rPr lang="en-US" i="1" dirty="0"/>
               <a:t> </a:t>
             </a:r>
             <a:r>
               <a:rPr lang="en-US" i="1" dirty="0" err="1"/>
-              <a:t>trimmomatic</a:t>
+              <a:t>bamtofastq</a:t>
             </a:r>
             <a:r>
               <a:rPr lang="en-US" i="1" dirty="0"/>
-              <a:t> PE -threads {</a:t>
+              <a:t> -</a:t>
             </a:r>
             <a:r>
               <a:rPr lang="en-US" i="1" dirty="0" err="1"/>
-              <a:t>coreNum</a:t>
+              <a:t>i</a:t>
             </a:r>
             <a:r>
               <a:rPr lang="en-US" i="1" dirty="0"/>
-              <a:t>} -</a:t>
+              <a:t> - -</a:t>
             </a:r>
             <a:r>
               <a:rPr lang="en-US" i="1" dirty="0" err="1"/>
-              <a:t>trimlog</a:t>
+              <a:t>fq</a:t>
             </a:r>
             <a:r>
               <a:rPr lang="en-US" i="1" dirty="0"/>
-              <a:t> {</a:t>
-            </a:r>
-            <a:r>
-              <a:rPr lang="en-US" i="1" dirty="0" err="1"/>
-              <a:t>logFile</a:t>
-            </a:r>
-            <a:r>
-              <a:rPr lang="en-US" i="1" dirty="0"/>
-              <a:t>} -</a:t>
-            </a:r>
-            <a:r>
-              <a:rPr lang="en-US" i="1" dirty="0" err="1"/>
-              <a:t>validatePairs</a:t>
-            </a:r>
-            <a:r>
-              <a:rPr lang="en-US" i="1" dirty="0"/>
-              <a:t> {filtered_pair1.fastq} {filtered_pair2.fastq} -</a:t>
-            </a:r>
-            <a:r>
-              <a:rPr lang="en-US" i="1" dirty="0" err="1"/>
-              <a:t>baseout</a:t>
-            </a:r>
-            <a:r>
-              <a:rPr lang="en-US" i="1" dirty="0"/>
-              <a:t> {</a:t>
-            </a:r>
-            <a:r>
-              <a:rPr lang="en-US" i="1" dirty="0" err="1"/>
-              <a:t>outputName</a:t>
-            </a:r>
-            <a:r>
-              <a:rPr lang="en-US" i="1" dirty="0"/>
-              <a:t>} {criterion}</a:t>
-            </a:r>
-          </a:p>
-          <a:p>
-            <a:r>
-              <a:rPr lang="en-US" dirty="0"/>
-              <a:t>Input: {filtered_pair1/pair2.fastq} from Step 2.3</a:t>
-            </a:r>
-          </a:p>
-          <a:p>
-            <a:r>
-              <a:rPr lang="en-US" dirty="0"/>
-              <a:t>Optional Arguments: </a:t>
+              <a:t> {filtered_R1.fastq} -fq2 {filtered_R2.fastq} </a:t>
             </a:r>
           </a:p>
           <a:p>
             <a:pPr lvl="1"/>
             <a:r>
               <a:rPr lang="en-US" dirty="0"/>
-              <a:t>{</a:t>
+              <a:t>Input: {</a:t>
+            </a:r>
+            <a:r>
+              <a:rPr lang="en-US" dirty="0" err="1"/>
+              <a:t>bamfile</a:t>
+            </a:r>
+            <a:r>
+              <a:rPr lang="en-US" dirty="0"/>
+              <a:t>} from Step 2.1</a:t>
+            </a:r>
+          </a:p>
+          <a:p>
+            <a:pPr lvl="1"/>
+            <a:r>
+              <a:rPr lang="en-US" dirty="0"/>
+              <a:t>Optional argument: {</a:t>
             </a:r>
             <a:r>
               <a:rPr lang="en-US" dirty="0" err="1"/>
@@ -6235,50 +6743,20 @@
             </a:r>
             <a:r>
               <a:rPr lang="en-US" dirty="0"/>
-              <a:t>} </a:t>
-            </a:r>
-            <a:r>
-              <a:rPr lang="en-US" dirty="0">
-                <a:sym typeface="Wingdings" pitchFamily="2" charset="2"/>
-              </a:rPr>
-              <a:t> Number of cores for parallelization </a:t>
-            </a:r>
-            <a:endParaRPr lang="en-US" dirty="0"/>
+              <a:t>}</a:t>
+            </a:r>
           </a:p>
           <a:p>
             <a:pPr lvl="1"/>
             <a:r>
               <a:rPr lang="en-US" dirty="0"/>
-              <a:t>{</a:t>
-            </a:r>
-            <a:r>
-              <a:rPr lang="en-US" dirty="0" err="1"/>
-              <a:t>logFile</a:t>
-            </a:r>
-            <a:r>
-              <a:rPr lang="en-US" dirty="0"/>
-              <a:t>} </a:t>
-            </a:r>
-            <a:r>
-              <a:rPr lang="en-US" dirty="0">
-                <a:sym typeface="Wingdings" pitchFamily="2" charset="2"/>
-              </a:rPr>
-              <a:t> file to write the QC log</a:t>
-            </a:r>
-            <a:endParaRPr lang="en-US" dirty="0"/>
-          </a:p>
-          <a:p>
-            <a:pPr lvl="1"/>
-            <a:r>
-              <a:rPr lang="en-US" dirty="0"/>
-              <a:t>{criterion} </a:t>
-            </a:r>
-            <a:r>
-              <a:rPr lang="en-US" dirty="0">
-                <a:sym typeface="Wingdings" pitchFamily="2" charset="2"/>
-              </a:rPr>
-              <a:t> MINLEN:60</a:t>
-            </a:r>
+              <a:t>Outputs: {filtered_R1/R2.fastq}</a:t>
+            </a:r>
+          </a:p>
+          <a:p>
+            <a:pPr marL="457200" lvl="1" indent="0">
+              <a:buNone/>
+            </a:pPr>
             <a:endParaRPr lang="en-US" dirty="0"/>
           </a:p>
         </p:txBody>
@@ -6288,7 +6766,7 @@
           <p:cNvPr id="4" name="Slide Number Placeholder 3">
             <a:extLst>
               <a:ext uri="{FF2B5EF4-FFF2-40B4-BE49-F238E27FC236}">
-                <a16:creationId xmlns:a16="http://schemas.microsoft.com/office/drawing/2014/main" id="{00C08B96-2A08-E54A-A4BB-2102E4A4F190}"/>
+                <a16:creationId xmlns:a16="http://schemas.microsoft.com/office/drawing/2014/main" id="{E488B957-24EE-D740-9455-1A08C11134B6}"/>
               </a:ext>
             </a:extLst>
           </p:cNvPr>
@@ -6313,10 +6791,71 @@
           </a:p>
         </p:txBody>
       </p:sp>
+      <p:sp>
+        <p:nvSpPr>
+          <p:cNvPr id="5" name="TextBox 4">
+            <a:extLst>
+              <a:ext uri="{FF2B5EF4-FFF2-40B4-BE49-F238E27FC236}">
+                <a16:creationId xmlns:a16="http://schemas.microsoft.com/office/drawing/2014/main" id="{E3546013-A0EE-5B49-A363-5DBFD16B601D}"/>
+              </a:ext>
+            </a:extLst>
+          </p:cNvPr>
+          <p:cNvSpPr txBox="1"/>
+          <p:nvPr/>
+        </p:nvSpPr>
+        <p:spPr>
+          <a:xfrm>
+            <a:off x="390364" y="3573016"/>
+            <a:ext cx="8363272" cy="1384995"/>
+          </a:xfrm>
+          <a:prstGeom prst="rect">
+            <a:avLst/>
+          </a:prstGeom>
+          <a:noFill/>
+        </p:spPr>
+        <p:txBody>
+          <a:bodyPr wrap="square" rtlCol="0">
+            <a:spAutoFit/>
+          </a:bodyPr>
+          <a:lstStyle/>
+          <a:p>
+            <a:r>
+              <a:rPr lang="en-US" sz="2800" b="1" dirty="0">
+                <a:latin typeface="Century Gothic" panose="020B0502020202020204" pitchFamily="34" charset="0"/>
+              </a:rPr>
+              <a:t>Task: Please understand all the options from the command above from </a:t>
+            </a:r>
+            <a:r>
+              <a:rPr lang="en-US" sz="2800" b="1" i="1" dirty="0" err="1">
+                <a:latin typeface="Century Gothic" panose="020B0502020202020204" pitchFamily="34" charset="0"/>
+              </a:rPr>
+              <a:t>samtools</a:t>
+            </a:r>
+            <a:r>
+              <a:rPr lang="en-US" sz="2800" b="1" dirty="0">
+                <a:latin typeface="Century Gothic" panose="020B0502020202020204" pitchFamily="34" charset="0"/>
+              </a:rPr>
+              <a:t> and </a:t>
+            </a:r>
+            <a:r>
+              <a:rPr lang="en-US" sz="2800" b="1" i="1" dirty="0" err="1">
+                <a:latin typeface="Century Gothic" panose="020B0502020202020204" pitchFamily="34" charset="0"/>
+              </a:rPr>
+              <a:t>bedtools</a:t>
+            </a:r>
+            <a:r>
+              <a:rPr lang="en-US" sz="2800" b="1" dirty="0">
+                <a:latin typeface="Century Gothic" panose="020B0502020202020204" pitchFamily="34" charset="0"/>
+              </a:rPr>
+              <a:t> manual</a:t>
+            </a:r>
+          </a:p>
+        </p:txBody>
+      </p:sp>
     </p:spTree>
     <p:extLst>
       <p:ext uri="{BB962C8B-B14F-4D97-AF65-F5344CB8AC3E}">
-        <p14:creationId xmlns:p14="http://schemas.microsoft.com/office/powerpoint/2010/main" val="3818676680"/>
+        <p14:creationId xmlns:p14="http://schemas.microsoft.com/office/powerpoint/2010/main" val="1691834584"/>
       </p:ext>
     </p:extLst>
   </p:cSld>

--- a/Workshop/MetagenomicsWorkshop/Day3_MetagenomicsWorkshop.pptx
+++ b/Workshop/MetagenomicsWorkshop/Day3_MetagenomicsWorkshop.pptx
@@ -5134,7 +5134,7 @@
         </p:spPr>
         <p:txBody>
           <a:bodyPr>
-            <a:normAutofit/>
+            <a:normAutofit fontScale="92500" lnSpcReduction="10000"/>
           </a:bodyPr>
           <a:lstStyle/>
           <a:p>
@@ -5206,6 +5206,26 @@
               <a:t>environment.yml</a:t>
             </a:r>
             <a:endParaRPr lang="en-US" sz="2000" i="1" dirty="0"/>
+          </a:p>
+          <a:p>
+            <a:pPr marL="400050"/>
+            <a:r>
+              <a:rPr lang="en-US" sz="2400" dirty="0"/>
+              <a:t>Then go to your </a:t>
+            </a:r>
+            <a:r>
+              <a:rPr lang="en-US" sz="2400" dirty="0" err="1"/>
+              <a:t>env</a:t>
+            </a:r>
+            <a:r>
+              <a:rPr lang="en-US" sz="2400" dirty="0"/>
+              <a:t>: </a:t>
+            </a:r>
+            <a:r>
+              <a:rPr lang="en-US" sz="2400" i="1" dirty="0"/>
+              <a:t>source activate metagenomics</a:t>
+            </a:r>
+            <a:endParaRPr lang="en-US" sz="2200" i="1" dirty="0"/>
           </a:p>
           <a:p>
             <a:pPr marL="400050"/>
@@ -5270,7 +5290,7 @@
         </p:nvSpPr>
         <p:spPr>
           <a:xfrm>
-            <a:off x="899592" y="3717032"/>
+            <a:off x="899592" y="3789040"/>
             <a:ext cx="1511442" cy="2400657"/>
           </a:xfrm>
           <a:prstGeom prst="rect">

--- a/Workshop/MetagenomicsWorkshop/Day3_MetagenomicsWorkshop.pptx
+++ b/Workshop/MetagenomicsWorkshop/Day3_MetagenomicsWorkshop.pptx
@@ -5873,6 +5873,36 @@
           </a:p>
         </p:txBody>
       </p:sp>
+      <p:pic>
+        <p:nvPicPr>
+          <p:cNvPr id="5" name="Picture 4">
+            <a:extLst>
+              <a:ext uri="{FF2B5EF4-FFF2-40B4-BE49-F238E27FC236}">
+                <a16:creationId xmlns:a16="http://schemas.microsoft.com/office/drawing/2014/main" id="{00F1382A-0CE2-D645-AB6A-DBD24E459ECF}"/>
+              </a:ext>
+            </a:extLst>
+          </p:cNvPr>
+          <p:cNvPicPr>
+            <a:picLocks noChangeAspect="1"/>
+          </p:cNvPicPr>
+          <p:nvPr/>
+        </p:nvPicPr>
+        <p:blipFill>
+          <a:blip r:embed="rId2"/>
+          <a:stretch>
+            <a:fillRect/>
+          </a:stretch>
+        </p:blipFill>
+        <p:spPr>
+          <a:xfrm>
+            <a:off x="5323904" y="2348880"/>
+            <a:ext cx="3784600" cy="2540000"/>
+          </a:xfrm>
+          <a:prstGeom prst="rect">
+            <a:avLst/>
+          </a:prstGeom>
+        </p:spPr>
+      </p:pic>
     </p:spTree>
     <p:extLst>
       <p:ext uri="{BB962C8B-B14F-4D97-AF65-F5344CB8AC3E}">
